--- a/admin/skin_project_demo_day.pptx
+++ b/admin/skin_project_demo_day.pptx
@@ -5,31 +5,32 @@
     <p:sldMasterId id="2147483659" r:id="rId1"/>
   </p:sldMasterIdLst>
   <p:notesMasterIdLst>
-    <p:notesMasterId r:id="rId11"/>
+    <p:notesMasterId r:id="rId12"/>
   </p:notesMasterIdLst>
   <p:sldIdLst>
     <p:sldId id="256" r:id="rId2"/>
     <p:sldId id="257" r:id="rId3"/>
     <p:sldId id="258" r:id="rId4"/>
-    <p:sldId id="259" r:id="rId5"/>
-    <p:sldId id="260" r:id="rId6"/>
-    <p:sldId id="261" r:id="rId7"/>
-    <p:sldId id="262" r:id="rId8"/>
-    <p:sldId id="263" r:id="rId9"/>
-    <p:sldId id="264" r:id="rId10"/>
+    <p:sldId id="270" r:id="rId5"/>
+    <p:sldId id="259" r:id="rId6"/>
+    <p:sldId id="260" r:id="rId7"/>
+    <p:sldId id="261" r:id="rId8"/>
+    <p:sldId id="262" r:id="rId9"/>
+    <p:sldId id="263" r:id="rId10"/>
+    <p:sldId id="264" r:id="rId11"/>
   </p:sldIdLst>
   <p:sldSz cx="9144000" cy="5143500" type="screen16x9"/>
   <p:notesSz cx="6858000" cy="9144000"/>
   <p:embeddedFontLst>
     <p:embeddedFont>
       <p:font typeface="Inter" panose="020B0604020202020204" charset="0"/>
-      <p:regular r:id="rId12"/>
-      <p:bold r:id="rId13"/>
+      <p:regular r:id="rId13"/>
+      <p:bold r:id="rId14"/>
     </p:embeddedFont>
     <p:embeddedFont>
       <p:font typeface="Inter SemiBold" panose="020B0604020202020204" charset="0"/>
-      <p:regular r:id="rId14"/>
-      <p:bold r:id="rId15"/>
+      <p:regular r:id="rId15"/>
+      <p:bold r:id="rId16"/>
     </p:embeddedFont>
   </p:embeddedFontLst>
   <p:defaultTextStyle>
@@ -272,9 +273,30 @@
 <file path=ppt/revisionInfo.xml><?xml version="1.0" encoding="utf-8"?>
 <p1510:revInfo xmlns:a="http://schemas.openxmlformats.org/drawingml/2006/main" xmlns:r="http://schemas.openxmlformats.org/officeDocument/2006/relationships" xmlns:p1510="http://schemas.microsoft.com/office/powerpoint/2015/10/main">
   <p1510:revLst>
-    <p1510:client id="{1138402E-A5E1-4089-9301-07062EA28FEA}" v="1" dt="2024-06-03T15:53:38.531"/>
+    <p1510:client id="{1FEC3318-C56D-47C6-9436-F4727B58BCBA}" v="1" dt="2024-06-10T15:09:55.826"/>
   </p1510:revLst>
 </p1510:revInfo>
+</file>
+
+<file path=ppt/changesInfos/changesInfo1.xml><?xml version="1.0" encoding="utf-8"?>
+<pc:chgInfo xmlns:a="http://schemas.openxmlformats.org/drawingml/2006/main" xmlns:r="http://schemas.openxmlformats.org/officeDocument/2006/relationships" xmlns:ac="http://schemas.microsoft.com/office/drawing/2013/main/command" xmlns:pc="http://schemas.microsoft.com/office/powerpoint/2013/main/command">
+  <pc:docChgLst>
+    <pc:chgData name="Philippe Baucour" userId="5102170ae7533958" providerId="LiveId" clId="{1FEC3318-C56D-47C6-9436-F4727B58BCBA}"/>
+    <pc:docChg chg="addSld modSld">
+      <pc:chgData name="Philippe Baucour" userId="5102170ae7533958" providerId="LiveId" clId="{1FEC3318-C56D-47C6-9436-F4727B58BCBA}" dt="2024-06-10T15:09:55.826" v="0"/>
+      <pc:docMkLst>
+        <pc:docMk/>
+      </pc:docMkLst>
+      <pc:sldChg chg="add">
+        <pc:chgData name="Philippe Baucour" userId="5102170ae7533958" providerId="LiveId" clId="{1FEC3318-C56D-47C6-9436-F4727B58BCBA}" dt="2024-06-10T15:09:55.826" v="0"/>
+        <pc:sldMkLst>
+          <pc:docMk/>
+          <pc:sldMk cId="1373769093" sldId="270"/>
+        </pc:sldMkLst>
+      </pc:sldChg>
+    </pc:docChg>
+  </pc:docChgLst>
+</pc:chgInfo>
 </file>
 
 <file path=ppt/notesMasters/notesMaster1.xml><?xml version="1.0" encoding="utf-8"?>
@@ -1006,6 +1028,128 @@
 </p:notes>
 </file>
 
+<file path=ppt/notesSlides/notesSlide10.xml><?xml version="1.0" encoding="utf-8"?>
+<p:notes xmlns:a="http://schemas.openxmlformats.org/drawingml/2006/main" xmlns:r="http://schemas.openxmlformats.org/officeDocument/2006/relationships" xmlns:p="http://schemas.openxmlformats.org/presentationml/2006/main" showMasterSp="0" showMasterPhAnim="0">
+  <p:cSld>
+    <p:spTree>
+      <p:nvGrpSpPr>
+        <p:cNvPr id="1" name="Shape 106"/>
+        <p:cNvGrpSpPr/>
+        <p:nvPr/>
+      </p:nvGrpSpPr>
+      <p:grpSpPr>
+        <a:xfrm>
+          <a:off x="0" y="0"/>
+          <a:ext cx="0" cy="0"/>
+          <a:chOff x="0" y="0"/>
+          <a:chExt cx="0" cy="0"/>
+        </a:xfrm>
+      </p:grpSpPr>
+      <p:sp>
+        <p:nvSpPr>
+          <p:cNvPr id="107" name="Google Shape;107;ga5178bf3d4_2_43:notes"/>
+          <p:cNvSpPr>
+            <a:spLocks noGrp="1" noRot="1" noChangeAspect="1"/>
+          </p:cNvSpPr>
+          <p:nvPr>
+            <p:ph type="sldImg" idx="2"/>
+          </p:nvPr>
+        </p:nvSpPr>
+        <p:spPr>
+          <a:xfrm>
+            <a:off x="381300" y="685800"/>
+            <a:ext cx="6096000" cy="3429000"/>
+          </a:xfrm>
+          <a:custGeom>
+            <a:avLst/>
+            <a:gdLst/>
+            <a:ahLst/>
+            <a:cxnLst/>
+            <a:rect l="l" t="t" r="r" b="b"/>
+            <a:pathLst>
+              <a:path w="120000" h="120000" extrusionOk="0">
+                <a:moveTo>
+                  <a:pt x="0" y="0"/>
+                </a:moveTo>
+                <a:lnTo>
+                  <a:pt x="120000" y="0"/>
+                </a:lnTo>
+                <a:lnTo>
+                  <a:pt x="120000" y="120000"/>
+                </a:lnTo>
+                <a:lnTo>
+                  <a:pt x="0" y="120000"/>
+                </a:lnTo>
+                <a:close/>
+              </a:path>
+            </a:pathLst>
+          </a:custGeom>
+          <a:noFill/>
+          <a:ln w="9525" cap="flat" cmpd="sng">
+            <a:solidFill>
+              <a:srgbClr val="000000"/>
+            </a:solidFill>
+            <a:prstDash val="solid"/>
+            <a:round/>
+            <a:headEnd type="none" w="sm" len="sm"/>
+            <a:tailEnd type="none" w="sm" len="sm"/>
+          </a:ln>
+        </p:spPr>
+      </p:sp>
+      <p:sp>
+        <p:nvSpPr>
+          <p:cNvPr id="108" name="Google Shape;108;ga5178bf3d4_2_43:notes"/>
+          <p:cNvSpPr txBox="1">
+            <a:spLocks noGrp="1"/>
+          </p:cNvSpPr>
+          <p:nvPr>
+            <p:ph type="body" idx="1"/>
+          </p:nvPr>
+        </p:nvSpPr>
+        <p:spPr>
+          <a:xfrm>
+            <a:off x="685800" y="4343400"/>
+            <a:ext cx="5486400" cy="4114800"/>
+          </a:xfrm>
+          <a:prstGeom prst="rect">
+            <a:avLst/>
+          </a:prstGeom>
+          <a:noFill/>
+          <a:ln>
+            <a:noFill/>
+          </a:ln>
+        </p:spPr>
+        <p:txBody>
+          <a:bodyPr spcFirstLastPara="1" wrap="square" lIns="91425" tIns="91425" rIns="91425" bIns="91425" anchor="t" anchorCtr="0">
+            <a:noAutofit/>
+          </a:bodyPr>
+          <a:lstStyle/>
+          <a:p>
+            <a:pPr marL="0" lvl="0" indent="0" algn="l" rtl="0">
+              <a:lnSpc>
+                <a:spcPct val="100000"/>
+              </a:lnSpc>
+              <a:spcBef>
+                <a:spcPts val="0"/>
+              </a:spcBef>
+              <a:spcAft>
+                <a:spcPts val="0"/>
+              </a:spcAft>
+              <a:buSzPts val="1100"/>
+              <a:buNone/>
+            </a:pPr>
+            <a:endParaRPr/>
+          </a:p>
+        </p:txBody>
+      </p:sp>
+    </p:spTree>
+  </p:cSld>
+  <p:clrMapOvr>
+    <a:masterClrMapping/>
+  </p:clrMapOvr>
+</p:notes>
+</file>
+
 <file path=ppt/notesSlides/notesSlide2.xml><?xml version="1.0" encoding="utf-8"?>
 <p:notes xmlns:a="http://schemas.openxmlformats.org/drawingml/2006/main" xmlns:r="http://schemas.openxmlformats.org/officeDocument/2006/relationships" xmlns:p="http://schemas.openxmlformats.org/presentationml/2006/main" showMasterSp="0" showMasterPhAnim="0">
   <p:cSld>
@@ -1251,6 +1395,75 @@
 </file>
 
 <file path=ppt/notesSlides/notesSlide4.xml><?xml version="1.0" encoding="utf-8"?>
+<p:notes xmlns:a="http://schemas.openxmlformats.org/drawingml/2006/main" xmlns:r="http://schemas.openxmlformats.org/officeDocument/2006/relationships" xmlns:p="http://schemas.openxmlformats.org/presentationml/2006/main">
+  <p:cSld>
+    <p:spTree>
+      <p:nvGrpSpPr>
+        <p:cNvPr id="1" name=""/>
+        <p:cNvGrpSpPr/>
+        <p:nvPr/>
+      </p:nvGrpSpPr>
+      <p:grpSpPr>
+        <a:xfrm>
+          <a:off x="0" y="0"/>
+          <a:ext cx="0" cy="0"/>
+          <a:chOff x="0" y="0"/>
+          <a:chExt cx="0" cy="0"/>
+        </a:xfrm>
+      </p:grpSpPr>
+      <p:sp>
+        <p:nvSpPr>
+          <p:cNvPr id="2" name="Espace réservé de l'image des diapositives 1"/>
+          <p:cNvSpPr>
+            <a:spLocks noGrp="1" noRot="1" noChangeAspect="1"/>
+          </p:cNvSpPr>
+          <p:nvPr>
+            <p:ph type="sldImg"/>
+          </p:nvPr>
+        </p:nvSpPr>
+        <p:spPr>
+          <a:xfrm>
+            <a:off x="381000" y="685800"/>
+            <a:ext cx="6096000" cy="3429000"/>
+          </a:xfrm>
+        </p:spPr>
+      </p:sp>
+      <p:sp>
+        <p:nvSpPr>
+          <p:cNvPr id="3" name="Espace réservé des notes 2"/>
+          <p:cNvSpPr>
+            <a:spLocks noGrp="1"/>
+          </p:cNvSpPr>
+          <p:nvPr>
+            <p:ph type="body" idx="1"/>
+          </p:nvPr>
+        </p:nvSpPr>
+        <p:spPr/>
+        <p:txBody>
+          <a:bodyPr/>
+          <a:lstStyle/>
+          <a:p>
+            <a:pPr marL="158750" indent="0">
+              <a:buNone/>
+            </a:pPr>
+            <a:endParaRPr lang="fr-FR" dirty="0"/>
+          </a:p>
+        </p:txBody>
+      </p:sp>
+    </p:spTree>
+    <p:extLst>
+      <p:ext uri="{BB962C8B-B14F-4D97-AF65-F5344CB8AC3E}">
+        <p14:creationId xmlns:p14="http://schemas.microsoft.com/office/powerpoint/2010/main" val="721325654"/>
+      </p:ext>
+    </p:extLst>
+  </p:cSld>
+  <p:clrMapOvr>
+    <a:masterClrMapping/>
+  </p:clrMapOvr>
+</p:notes>
+</file>
+
+<file path=ppt/notesSlides/notesSlide5.xml><?xml version="1.0" encoding="utf-8"?>
 <p:notes xmlns:a="http://schemas.openxmlformats.org/drawingml/2006/main" xmlns:r="http://schemas.openxmlformats.org/officeDocument/2006/relationships" xmlns:p="http://schemas.openxmlformats.org/presentationml/2006/main" showMasterSp="0" showMasterPhAnim="0">
   <p:cSld>
     <p:spTree>
@@ -1372,7 +1585,7 @@
 </p:notes>
 </file>
 
-<file path=ppt/notesSlides/notesSlide5.xml><?xml version="1.0" encoding="utf-8"?>
+<file path=ppt/notesSlides/notesSlide6.xml><?xml version="1.0" encoding="utf-8"?>
 <p:notes xmlns:a="http://schemas.openxmlformats.org/drawingml/2006/main" xmlns:r="http://schemas.openxmlformats.org/officeDocument/2006/relationships" xmlns:p="http://schemas.openxmlformats.org/presentationml/2006/main" showMasterSp="0" showMasterPhAnim="0">
   <p:cSld>
     <p:spTree>
@@ -1494,7 +1707,7 @@
 </p:notes>
 </file>
 
-<file path=ppt/notesSlides/notesSlide6.xml><?xml version="1.0" encoding="utf-8"?>
+<file path=ppt/notesSlides/notesSlide7.xml><?xml version="1.0" encoding="utf-8"?>
 <p:notes xmlns:a="http://schemas.openxmlformats.org/drawingml/2006/main" xmlns:r="http://schemas.openxmlformats.org/officeDocument/2006/relationships" xmlns:p="http://schemas.openxmlformats.org/presentationml/2006/main" showMasterSp="0" showMasterPhAnim="0">
   <p:cSld>
     <p:spTree>
@@ -1616,7 +1829,7 @@
 </p:notes>
 </file>
 
-<file path=ppt/notesSlides/notesSlide7.xml><?xml version="1.0" encoding="utf-8"?>
+<file path=ppt/notesSlides/notesSlide8.xml><?xml version="1.0" encoding="utf-8"?>
 <p:notes xmlns:a="http://schemas.openxmlformats.org/drawingml/2006/main" xmlns:r="http://schemas.openxmlformats.org/officeDocument/2006/relationships" xmlns:p="http://schemas.openxmlformats.org/presentationml/2006/main" showMasterSp="0" showMasterPhAnim="0">
   <p:cSld>
     <p:spTree>
@@ -1738,7 +1951,7 @@
 </p:notes>
 </file>
 
-<file path=ppt/notesSlides/notesSlide8.xml><?xml version="1.0" encoding="utf-8"?>
+<file path=ppt/notesSlides/notesSlide9.xml><?xml version="1.0" encoding="utf-8"?>
 <p:notes xmlns:a="http://schemas.openxmlformats.org/drawingml/2006/main" xmlns:r="http://schemas.openxmlformats.org/officeDocument/2006/relationships" xmlns:p="http://schemas.openxmlformats.org/presentationml/2006/main" showMasterSp="0" showMasterPhAnim="0">
   <p:cSld>
     <p:spTree>
@@ -1809,128 +2022,6 @@
       <p:sp>
         <p:nvSpPr>
           <p:cNvPr id="101" name="Google Shape;101;g1c7feb7f43d_0_55:notes"/>
-          <p:cNvSpPr txBox="1">
-            <a:spLocks noGrp="1"/>
-          </p:cNvSpPr>
-          <p:nvPr>
-            <p:ph type="body" idx="1"/>
-          </p:nvPr>
-        </p:nvSpPr>
-        <p:spPr>
-          <a:xfrm>
-            <a:off x="685800" y="4343400"/>
-            <a:ext cx="5486400" cy="4114800"/>
-          </a:xfrm>
-          <a:prstGeom prst="rect">
-            <a:avLst/>
-          </a:prstGeom>
-          <a:noFill/>
-          <a:ln>
-            <a:noFill/>
-          </a:ln>
-        </p:spPr>
-        <p:txBody>
-          <a:bodyPr spcFirstLastPara="1" wrap="square" lIns="91425" tIns="91425" rIns="91425" bIns="91425" anchor="t" anchorCtr="0">
-            <a:noAutofit/>
-          </a:bodyPr>
-          <a:lstStyle/>
-          <a:p>
-            <a:pPr marL="0" lvl="0" indent="0" algn="l" rtl="0">
-              <a:lnSpc>
-                <a:spcPct val="100000"/>
-              </a:lnSpc>
-              <a:spcBef>
-                <a:spcPts val="0"/>
-              </a:spcBef>
-              <a:spcAft>
-                <a:spcPts val="0"/>
-              </a:spcAft>
-              <a:buSzPts val="1100"/>
-              <a:buNone/>
-            </a:pPr>
-            <a:endParaRPr/>
-          </a:p>
-        </p:txBody>
-      </p:sp>
-    </p:spTree>
-  </p:cSld>
-  <p:clrMapOvr>
-    <a:masterClrMapping/>
-  </p:clrMapOvr>
-</p:notes>
-</file>
-
-<file path=ppt/notesSlides/notesSlide9.xml><?xml version="1.0" encoding="utf-8"?>
-<p:notes xmlns:a="http://schemas.openxmlformats.org/drawingml/2006/main" xmlns:r="http://schemas.openxmlformats.org/officeDocument/2006/relationships" xmlns:p="http://schemas.openxmlformats.org/presentationml/2006/main" showMasterSp="0" showMasterPhAnim="0">
-  <p:cSld>
-    <p:spTree>
-      <p:nvGrpSpPr>
-        <p:cNvPr id="1" name="Shape 106"/>
-        <p:cNvGrpSpPr/>
-        <p:nvPr/>
-      </p:nvGrpSpPr>
-      <p:grpSpPr>
-        <a:xfrm>
-          <a:off x="0" y="0"/>
-          <a:ext cx="0" cy="0"/>
-          <a:chOff x="0" y="0"/>
-          <a:chExt cx="0" cy="0"/>
-        </a:xfrm>
-      </p:grpSpPr>
-      <p:sp>
-        <p:nvSpPr>
-          <p:cNvPr id="107" name="Google Shape;107;ga5178bf3d4_2_43:notes"/>
-          <p:cNvSpPr>
-            <a:spLocks noGrp="1" noRot="1" noChangeAspect="1"/>
-          </p:cNvSpPr>
-          <p:nvPr>
-            <p:ph type="sldImg" idx="2"/>
-          </p:nvPr>
-        </p:nvSpPr>
-        <p:spPr>
-          <a:xfrm>
-            <a:off x="381300" y="685800"/>
-            <a:ext cx="6096000" cy="3429000"/>
-          </a:xfrm>
-          <a:custGeom>
-            <a:avLst/>
-            <a:gdLst/>
-            <a:ahLst/>
-            <a:cxnLst/>
-            <a:rect l="l" t="t" r="r" b="b"/>
-            <a:pathLst>
-              <a:path w="120000" h="120000" extrusionOk="0">
-                <a:moveTo>
-                  <a:pt x="0" y="0"/>
-                </a:moveTo>
-                <a:lnTo>
-                  <a:pt x="120000" y="0"/>
-                </a:lnTo>
-                <a:lnTo>
-                  <a:pt x="120000" y="120000"/>
-                </a:lnTo>
-                <a:lnTo>
-                  <a:pt x="0" y="120000"/>
-                </a:lnTo>
-                <a:close/>
-              </a:path>
-            </a:pathLst>
-          </a:custGeom>
-          <a:noFill/>
-          <a:ln w="9525" cap="flat" cmpd="sng">
-            <a:solidFill>
-              <a:srgbClr val="000000"/>
-            </a:solidFill>
-            <a:prstDash val="solid"/>
-            <a:round/>
-            <a:headEnd type="none" w="sm" len="sm"/>
-            <a:tailEnd type="none" w="sm" len="sm"/>
-          </a:ln>
-        </p:spPr>
-      </p:sp>
-      <p:sp>
-        <p:nvSpPr>
-          <p:cNvPr id="108" name="Google Shape;108;ga5178bf3d4_2_43:notes"/>
           <p:cNvSpPr txBox="1">
             <a:spLocks noGrp="1"/>
           </p:cNvSpPr>
@@ -6923,6 +7014,163 @@
 </p:sld>
 </file>
 
+<file path=ppt/slides/slide10.xml><?xml version="1.0" encoding="utf-8"?>
+<p:sld xmlns:a="http://schemas.openxmlformats.org/drawingml/2006/main" xmlns:r="http://schemas.openxmlformats.org/officeDocument/2006/relationships" xmlns:p="http://schemas.openxmlformats.org/presentationml/2006/main">
+  <p:cSld>
+    <p:bg>
+      <p:bgPr>
+        <a:solidFill>
+          <a:srgbClr val="00DBD0"/>
+        </a:solidFill>
+        <a:effectLst/>
+      </p:bgPr>
+    </p:bg>
+    <p:spTree>
+      <p:nvGrpSpPr>
+        <p:cNvPr id="1" name="Shape 109"/>
+        <p:cNvGrpSpPr/>
+        <p:nvPr/>
+      </p:nvGrpSpPr>
+      <p:grpSpPr>
+        <a:xfrm>
+          <a:off x="0" y="0"/>
+          <a:ext cx="0" cy="0"/>
+          <a:chOff x="0" y="0"/>
+          <a:chExt cx="0" cy="0"/>
+        </a:xfrm>
+      </p:grpSpPr>
+      <p:sp>
+        <p:nvSpPr>
+          <p:cNvPr id="110" name="Google Shape;110;p21"/>
+          <p:cNvSpPr txBox="1">
+            <a:spLocks noGrp="1"/>
+          </p:cNvSpPr>
+          <p:nvPr>
+            <p:ph type="ctrTitle" idx="4294967295"/>
+          </p:nvPr>
+        </p:nvSpPr>
+        <p:spPr>
+          <a:xfrm>
+            <a:off x="1089725" y="1970775"/>
+            <a:ext cx="6269100" cy="698400"/>
+          </a:xfrm>
+          <a:prstGeom prst="rect">
+            <a:avLst/>
+          </a:prstGeom>
+          <a:noFill/>
+          <a:ln>
+            <a:noFill/>
+          </a:ln>
+        </p:spPr>
+        <p:txBody>
+          <a:bodyPr spcFirstLastPara="1" wrap="square" lIns="91425" tIns="91425" rIns="91425" bIns="91425" anchor="t" anchorCtr="0">
+            <a:noAutofit/>
+          </a:bodyPr>
+          <a:lstStyle/>
+          <a:p>
+            <a:pPr marL="0" marR="0" lvl="0" indent="0" algn="l" rtl="0">
+              <a:lnSpc>
+                <a:spcPct val="100000"/>
+              </a:lnSpc>
+              <a:spcBef>
+                <a:spcPts val="0"/>
+              </a:spcBef>
+              <a:spcAft>
+                <a:spcPts val="0"/>
+              </a:spcAft>
+              <a:buClr>
+                <a:schemeClr val="dk1"/>
+              </a:buClr>
+              <a:buSzPts val="2800"/>
+              <a:buFont typeface="Arial"/>
+              <a:buNone/>
+            </a:pPr>
+            <a:r>
+              <a:rPr lang="fr" sz="5200">
+                <a:solidFill>
+                  <a:srgbClr val="0E3449"/>
+                </a:solidFill>
+                <a:latin typeface="Inter SemiBold"/>
+                <a:ea typeface="Inter SemiBold"/>
+                <a:cs typeface="Inter SemiBold"/>
+                <a:sym typeface="Inter SemiBold"/>
+              </a:rPr>
+              <a:t>Any questions ?</a:t>
+            </a:r>
+            <a:endParaRPr sz="5200" i="0" u="none" strike="noStrike" cap="none">
+              <a:solidFill>
+                <a:srgbClr val="0E3449"/>
+              </a:solidFill>
+              <a:latin typeface="Inter SemiBold"/>
+              <a:ea typeface="Inter SemiBold"/>
+              <a:cs typeface="Inter SemiBold"/>
+              <a:sym typeface="Inter SemiBold"/>
+            </a:endParaRPr>
+          </a:p>
+        </p:txBody>
+      </p:sp>
+      <p:pic>
+        <p:nvPicPr>
+          <p:cNvPr id="111" name="Google Shape;111;p21"/>
+          <p:cNvPicPr preferRelativeResize="0"/>
+          <p:nvPr/>
+        </p:nvPicPr>
+        <p:blipFill rotWithShape="1">
+          <a:blip r:embed="rId3">
+            <a:alphaModFix/>
+          </a:blip>
+          <a:srcRect/>
+          <a:stretch/>
+        </p:blipFill>
+        <p:spPr>
+          <a:xfrm>
+            <a:off x="3918625" y="3006625"/>
+            <a:ext cx="4599299" cy="2136876"/>
+          </a:xfrm>
+          <a:prstGeom prst="rect">
+            <a:avLst/>
+          </a:prstGeom>
+          <a:noFill/>
+          <a:ln>
+            <a:noFill/>
+          </a:ln>
+        </p:spPr>
+      </p:pic>
+      <p:pic>
+        <p:nvPicPr>
+          <p:cNvPr id="112" name="Google Shape;112;p21"/>
+          <p:cNvPicPr preferRelativeResize="0"/>
+          <p:nvPr/>
+        </p:nvPicPr>
+        <p:blipFill rotWithShape="1">
+          <a:blip r:embed="rId4">
+            <a:alphaModFix/>
+          </a:blip>
+          <a:srcRect/>
+          <a:stretch/>
+        </p:blipFill>
+        <p:spPr>
+          <a:xfrm>
+            <a:off x="1232375" y="915775"/>
+            <a:ext cx="797425" cy="839825"/>
+          </a:xfrm>
+          <a:prstGeom prst="rect">
+            <a:avLst/>
+          </a:prstGeom>
+          <a:noFill/>
+          <a:ln>
+            <a:noFill/>
+          </a:ln>
+        </p:spPr>
+      </p:pic>
+    </p:spTree>
+  </p:cSld>
+  <p:clrMapOvr>
+    <a:masterClrMapping/>
+  </p:clrMapOvr>
+</p:sld>
+</file>
+
 <file path=ppt/slides/slide2.xml><?xml version="1.0" encoding="utf-8"?>
 <p:sld xmlns:a="http://schemas.openxmlformats.org/drawingml/2006/main" xmlns:r="http://schemas.openxmlformats.org/officeDocument/2006/relationships" xmlns:p="http://schemas.openxmlformats.org/presentationml/2006/main">
   <p:cSld>
@@ -7700,6 +7948,3000 @@
   <p:cSld>
     <p:spTree>
       <p:nvGrpSpPr>
+        <p:cNvPr id="1" name=""/>
+        <p:cNvGrpSpPr/>
+        <p:nvPr/>
+      </p:nvGrpSpPr>
+      <p:grpSpPr>
+        <a:xfrm>
+          <a:off x="0" y="0"/>
+          <a:ext cx="0" cy="0"/>
+          <a:chOff x="0" y="0"/>
+          <a:chExt cx="0" cy="0"/>
+        </a:xfrm>
+      </p:grpSpPr>
+      <p:sp>
+        <p:nvSpPr>
+          <p:cNvPr id="37" name="Rectangle 36">
+            <a:extLst>
+              <a:ext uri="{FF2B5EF4-FFF2-40B4-BE49-F238E27FC236}">
+                <a16:creationId xmlns:a16="http://schemas.microsoft.com/office/drawing/2014/main" id="{18882719-D0A3-5B55-C871-F003AC1A6FBE}"/>
+              </a:ext>
+            </a:extLst>
+          </p:cNvPr>
+          <p:cNvSpPr/>
+          <p:nvPr/>
+        </p:nvSpPr>
+        <p:spPr>
+          <a:xfrm>
+            <a:off x="3350799" y="1569428"/>
+            <a:ext cx="1685411" cy="2714596"/>
+          </a:xfrm>
+          <a:prstGeom prst="rect">
+            <a:avLst/>
+          </a:prstGeom>
+          <a:solidFill>
+            <a:schemeClr val="bg1">
+              <a:lumMod val="85000"/>
+              <a:alpha val="60000"/>
+            </a:schemeClr>
+          </a:solidFill>
+          <a:ln w="12700"/>
+        </p:spPr>
+        <p:style>
+          <a:lnRef idx="2">
+            <a:schemeClr val="accent3">
+              <a:shade val="15000"/>
+            </a:schemeClr>
+          </a:lnRef>
+          <a:fillRef idx="1">
+            <a:schemeClr val="accent3"/>
+          </a:fillRef>
+          <a:effectRef idx="0">
+            <a:schemeClr val="accent3"/>
+          </a:effectRef>
+          <a:fontRef idx="minor">
+            <a:schemeClr val="lt1"/>
+          </a:fontRef>
+        </p:style>
+        <p:txBody>
+          <a:bodyPr rtlCol="0" anchor="ctr"/>
+          <a:lstStyle/>
+          <a:p>
+            <a:pPr algn="ctr"/>
+            <a:endParaRPr lang="fr-FR" sz="800" dirty="0"/>
+          </a:p>
+        </p:txBody>
+      </p:sp>
+      <p:sp>
+        <p:nvSpPr>
+          <p:cNvPr id="3" name="Titre 2">
+            <a:extLst>
+              <a:ext uri="{FF2B5EF4-FFF2-40B4-BE49-F238E27FC236}">
+                <a16:creationId xmlns:a16="http://schemas.microsoft.com/office/drawing/2014/main" id="{3D5747AA-8B62-5C79-BC10-9F4115BE33B3}"/>
+              </a:ext>
+            </a:extLst>
+          </p:cNvPr>
+          <p:cNvSpPr>
+            <a:spLocks noGrp="1"/>
+          </p:cNvSpPr>
+          <p:nvPr>
+            <p:ph type="title"/>
+          </p:nvPr>
+        </p:nvSpPr>
+        <p:spPr/>
+        <p:txBody>
+          <a:bodyPr/>
+          <a:lstStyle/>
+          <a:p>
+            <a:r>
+              <a:rPr lang="fr-FR" dirty="0" err="1"/>
+              <a:t>SkinCheck</a:t>
+            </a:r>
+            <a:r>
+              <a:rPr lang="fr-FR" dirty="0"/>
+              <a:t> - Objectives</a:t>
+            </a:r>
+          </a:p>
+        </p:txBody>
+      </p:sp>
+      <p:pic>
+        <p:nvPicPr>
+          <p:cNvPr id="5" name="Graphique 4" descr="Ordinateur avec un remplissage uni">
+            <a:extLst>
+              <a:ext uri="{FF2B5EF4-FFF2-40B4-BE49-F238E27FC236}">
+                <a16:creationId xmlns:a16="http://schemas.microsoft.com/office/drawing/2014/main" id="{171BDF44-7979-BAC1-BA99-65B541D80E7E}"/>
+              </a:ext>
+            </a:extLst>
+          </p:cNvPr>
+          <p:cNvPicPr>
+            <a:picLocks noChangeAspect="1"/>
+          </p:cNvPicPr>
+          <p:nvPr/>
+        </p:nvPicPr>
+        <p:blipFill>
+          <a:blip r:embed="rId3">
+            <a:extLst>
+              <a:ext uri="{28A0092B-C50C-407E-A947-70E740481C1C}">
+                <a14:useLocalDpi xmlns:a14="http://schemas.microsoft.com/office/drawing/2010/main" val="0"/>
+              </a:ext>
+              <a:ext uri="{96DAC541-7B7A-43D3-8B79-37D633B846F1}">
+                <asvg:svgBlip xmlns:asvg="http://schemas.microsoft.com/office/drawing/2016/SVG/main" r:embed="rId4"/>
+              </a:ext>
+            </a:extLst>
+          </a:blip>
+          <a:stretch>
+            <a:fillRect/>
+          </a:stretch>
+        </p:blipFill>
+        <p:spPr>
+          <a:xfrm>
+            <a:off x="3897019" y="3595380"/>
+            <a:ext cx="685800" cy="685800"/>
+          </a:xfrm>
+          <a:prstGeom prst="rect">
+            <a:avLst/>
+          </a:prstGeom>
+        </p:spPr>
+      </p:pic>
+      <p:pic>
+        <p:nvPicPr>
+          <p:cNvPr id="6" name="Picture 2" descr="Serveur de données - Icônes la mise en réseau gratuites">
+            <a:extLst>
+              <a:ext uri="{FF2B5EF4-FFF2-40B4-BE49-F238E27FC236}">
+                <a16:creationId xmlns:a16="http://schemas.microsoft.com/office/drawing/2014/main" id="{B7942790-0D7C-2AFF-BB97-F11C27076DF8}"/>
+              </a:ext>
+            </a:extLst>
+          </p:cNvPr>
+          <p:cNvPicPr>
+            <a:picLocks noChangeAspect="1" noChangeArrowheads="1"/>
+          </p:cNvPicPr>
+          <p:nvPr/>
+        </p:nvPicPr>
+        <p:blipFill>
+          <a:blip r:embed="rId5">
+            <a:extLst>
+              <a:ext uri="{28A0092B-C50C-407E-A947-70E740481C1C}">
+                <a14:useLocalDpi xmlns:a14="http://schemas.microsoft.com/office/drawing/2010/main" val="0"/>
+              </a:ext>
+            </a:extLst>
+          </a:blip>
+          <a:srcRect/>
+          <a:stretch>
+            <a:fillRect/>
+          </a:stretch>
+        </p:blipFill>
+        <p:spPr bwMode="auto">
+          <a:xfrm>
+            <a:off x="1601721" y="2519162"/>
+            <a:ext cx="867498" cy="867498"/>
+          </a:xfrm>
+          <a:prstGeom prst="rect">
+            <a:avLst/>
+          </a:prstGeom>
+          <a:noFill/>
+          <a:extLst>
+            <a:ext uri="{909E8E84-426E-40DD-AFC4-6F175D3DCCD1}">
+              <a14:hiddenFill xmlns:a14="http://schemas.microsoft.com/office/drawing/2010/main">
+                <a:solidFill>
+                  <a:srgbClr val="FFFFFF"/>
+                </a:solidFill>
+              </a14:hiddenFill>
+            </a:ext>
+          </a:extLst>
+        </p:spPr>
+      </p:pic>
+      <p:grpSp>
+        <p:nvGrpSpPr>
+          <p:cNvPr id="9" name="Groupe 8">
+            <a:extLst>
+              <a:ext uri="{FF2B5EF4-FFF2-40B4-BE49-F238E27FC236}">
+                <a16:creationId xmlns:a16="http://schemas.microsoft.com/office/drawing/2014/main" id="{1D7ABDEC-5A23-ECDF-0311-34001DB556DB}"/>
+              </a:ext>
+            </a:extLst>
+          </p:cNvPr>
+          <p:cNvGrpSpPr/>
+          <p:nvPr/>
+        </p:nvGrpSpPr>
+        <p:grpSpPr>
+          <a:xfrm>
+            <a:off x="5683522" y="2523515"/>
+            <a:ext cx="996504" cy="867498"/>
+            <a:chOff x="5683522" y="2523515"/>
+            <a:chExt cx="996504" cy="867498"/>
+          </a:xfrm>
+        </p:grpSpPr>
+        <p:pic>
+          <p:nvPicPr>
+            <p:cNvPr id="4" name="Picture 2" descr="Serveur de données - Icônes la mise en réseau gratuites">
+              <a:extLst>
+                <a:ext uri="{FF2B5EF4-FFF2-40B4-BE49-F238E27FC236}">
+                  <a16:creationId xmlns:a16="http://schemas.microsoft.com/office/drawing/2014/main" id="{717F07D8-AB39-1663-2BCF-301A9A73860B}"/>
+                </a:ext>
+              </a:extLst>
+            </p:cNvPr>
+            <p:cNvPicPr>
+              <a:picLocks noChangeAspect="1" noChangeArrowheads="1"/>
+            </p:cNvPicPr>
+            <p:nvPr/>
+          </p:nvPicPr>
+          <p:blipFill>
+            <a:blip r:embed="rId5">
+              <a:extLst>
+                <a:ext uri="{28A0092B-C50C-407E-A947-70E740481C1C}">
+                  <a14:useLocalDpi xmlns:a14="http://schemas.microsoft.com/office/drawing/2010/main" val="0"/>
+                </a:ext>
+              </a:extLst>
+            </a:blip>
+            <a:srcRect/>
+            <a:stretch>
+              <a:fillRect/>
+            </a:stretch>
+          </p:blipFill>
+          <p:spPr bwMode="auto">
+            <a:xfrm>
+              <a:off x="5812528" y="2523515"/>
+              <a:ext cx="867498" cy="867498"/>
+            </a:xfrm>
+            <a:prstGeom prst="rect">
+              <a:avLst/>
+            </a:prstGeom>
+            <a:noFill/>
+            <a:extLst>
+              <a:ext uri="{909E8E84-426E-40DD-AFC4-6F175D3DCCD1}">
+                <a14:hiddenFill xmlns:a14="http://schemas.microsoft.com/office/drawing/2010/main">
+                  <a:solidFill>
+                    <a:srgbClr val="FFFFFF"/>
+                  </a:solidFill>
+                </a14:hiddenFill>
+              </a:ext>
+            </a:extLst>
+          </p:spPr>
+        </p:pic>
+        <p:pic>
+          <p:nvPicPr>
+            <p:cNvPr id="7" name="Graphique 6" descr="Base de données avec un remplissage uni">
+              <a:extLst>
+                <a:ext uri="{FF2B5EF4-FFF2-40B4-BE49-F238E27FC236}">
+                  <a16:creationId xmlns:a16="http://schemas.microsoft.com/office/drawing/2014/main" id="{C912B127-9006-2475-358D-D9BA774A9413}"/>
+                </a:ext>
+              </a:extLst>
+            </p:cNvPr>
+            <p:cNvPicPr>
+              <a:picLocks noChangeAspect="1"/>
+            </p:cNvPicPr>
+            <p:nvPr/>
+          </p:nvPicPr>
+          <p:blipFill>
+            <a:blip r:embed="rId6">
+              <a:extLst>
+                <a:ext uri="{28A0092B-C50C-407E-A947-70E740481C1C}">
+                  <a14:useLocalDpi xmlns:a14="http://schemas.microsoft.com/office/drawing/2010/main" val="0"/>
+                </a:ext>
+                <a:ext uri="{96DAC541-7B7A-43D3-8B79-37D633B846F1}">
+                  <asvg:svgBlip xmlns:asvg="http://schemas.microsoft.com/office/drawing/2016/SVG/main" r:embed="rId7"/>
+                </a:ext>
+              </a:extLst>
+            </a:blip>
+            <a:stretch>
+              <a:fillRect/>
+            </a:stretch>
+          </p:blipFill>
+          <p:spPr>
+            <a:xfrm>
+              <a:off x="5683522" y="2982700"/>
+              <a:ext cx="382575" cy="382575"/>
+            </a:xfrm>
+            <a:prstGeom prst="rect">
+              <a:avLst/>
+            </a:prstGeom>
+          </p:spPr>
+        </p:pic>
+      </p:grpSp>
+      <p:sp>
+        <p:nvSpPr>
+          <p:cNvPr id="17" name="ZoneTexte 16">
+            <a:extLst>
+              <a:ext uri="{FF2B5EF4-FFF2-40B4-BE49-F238E27FC236}">
+                <a16:creationId xmlns:a16="http://schemas.microsoft.com/office/drawing/2014/main" id="{54722831-7D4F-84F9-2575-CBF76C7F93C3}"/>
+              </a:ext>
+            </a:extLst>
+          </p:cNvPr>
+          <p:cNvSpPr txBox="1"/>
+          <p:nvPr/>
+        </p:nvSpPr>
+        <p:spPr>
+          <a:xfrm>
+            <a:off x="159604" y="3149831"/>
+            <a:ext cx="598561" cy="215444"/>
+          </a:xfrm>
+          <a:prstGeom prst="rect">
+            <a:avLst/>
+          </a:prstGeom>
+          <a:solidFill>
+            <a:schemeClr val="accent2">
+              <a:lumMod val="20000"/>
+              <a:lumOff val="80000"/>
+            </a:schemeClr>
+          </a:solidFill>
+          <a:ln w="3175">
+            <a:solidFill>
+              <a:schemeClr val="tx1"/>
+            </a:solidFill>
+          </a:ln>
+        </p:spPr>
+        <p:txBody>
+          <a:bodyPr wrap="square" rtlCol="0" anchor="ctr">
+            <a:spAutoFit/>
+          </a:bodyPr>
+          <a:lstStyle>
+            <a:defPPr marR="0" lvl="0" algn="l" rtl="0">
+              <a:lnSpc>
+                <a:spcPct val="100000"/>
+              </a:lnSpc>
+              <a:spcBef>
+                <a:spcPts val="0"/>
+              </a:spcBef>
+              <a:spcAft>
+                <a:spcPts val="0"/>
+              </a:spcAft>
+              <a:defRPr/>
+            </a:defPPr>
+            <a:lvl1pPr algn="ctr">
+              <a:defRPr sz="675">
+                <a:latin typeface="Courier New" panose="02070309020205020404" pitchFamily="49" charset="0"/>
+                <a:cs typeface="Courier New" panose="02070309020205020404" pitchFamily="49" charset="0"/>
+              </a:defRPr>
+            </a:lvl1pPr>
+          </a:lstStyle>
+          <a:p>
+            <a:r>
+              <a:rPr lang="fr-FR" sz="800" dirty="0"/>
+              <a:t>Data</a:t>
+            </a:r>
+          </a:p>
+        </p:txBody>
+      </p:sp>
+      <p:cxnSp>
+        <p:nvCxnSpPr>
+          <p:cNvPr id="21" name="Connecteur droit avec flèche 20">
+            <a:extLst>
+              <a:ext uri="{FF2B5EF4-FFF2-40B4-BE49-F238E27FC236}">
+                <a16:creationId xmlns:a16="http://schemas.microsoft.com/office/drawing/2014/main" id="{3E5CC60F-E55F-BB01-045D-DB2636F3D02F}"/>
+              </a:ext>
+            </a:extLst>
+          </p:cNvPr>
+          <p:cNvCxnSpPr>
+            <a:cxnSpLocks/>
+            <a:stCxn id="6" idx="3"/>
+          </p:cNvCxnSpPr>
+          <p:nvPr/>
+        </p:nvCxnSpPr>
+        <p:spPr>
+          <a:xfrm flipV="1">
+            <a:off x="2469219" y="2948139"/>
+            <a:ext cx="846859" cy="4772"/>
+          </a:xfrm>
+          <a:prstGeom prst="straightConnector1">
+            <a:avLst/>
+          </a:prstGeom>
+          <a:ln w="57150">
+            <a:headEnd type="triangle"/>
+            <a:tailEnd type="triangle"/>
+          </a:ln>
+        </p:spPr>
+        <p:style>
+          <a:lnRef idx="1">
+            <a:schemeClr val="accent1"/>
+          </a:lnRef>
+          <a:fillRef idx="0">
+            <a:schemeClr val="accent1"/>
+          </a:fillRef>
+          <a:effectRef idx="0">
+            <a:schemeClr val="accent1"/>
+          </a:effectRef>
+          <a:fontRef idx="minor">
+            <a:schemeClr val="tx1"/>
+          </a:fontRef>
+        </p:style>
+      </p:cxnSp>
+      <p:cxnSp>
+        <p:nvCxnSpPr>
+          <p:cNvPr id="23" name="Connecteur droit avec flèche 22">
+            <a:extLst>
+              <a:ext uri="{FF2B5EF4-FFF2-40B4-BE49-F238E27FC236}">
+                <a16:creationId xmlns:a16="http://schemas.microsoft.com/office/drawing/2014/main" id="{DE938E05-1E91-AB1C-333D-CBB158AF050C}"/>
+              </a:ext>
+            </a:extLst>
+          </p:cNvPr>
+          <p:cNvCxnSpPr>
+            <a:cxnSpLocks/>
+            <a:endCxn id="4" idx="1"/>
+          </p:cNvCxnSpPr>
+          <p:nvPr/>
+        </p:nvCxnSpPr>
+        <p:spPr>
+          <a:xfrm flipV="1">
+            <a:off x="5036210" y="2957264"/>
+            <a:ext cx="776318" cy="5170"/>
+          </a:xfrm>
+          <a:prstGeom prst="straightConnector1">
+            <a:avLst/>
+          </a:prstGeom>
+          <a:ln w="57150">
+            <a:headEnd type="none"/>
+            <a:tailEnd type="triangle"/>
+          </a:ln>
+        </p:spPr>
+        <p:style>
+          <a:lnRef idx="1">
+            <a:schemeClr val="accent1"/>
+          </a:lnRef>
+          <a:fillRef idx="0">
+            <a:schemeClr val="accent1"/>
+          </a:fillRef>
+          <a:effectRef idx="0">
+            <a:schemeClr val="accent1"/>
+          </a:effectRef>
+          <a:fontRef idx="minor">
+            <a:schemeClr val="tx1"/>
+          </a:fontRef>
+        </p:style>
+      </p:cxnSp>
+      <p:cxnSp>
+        <p:nvCxnSpPr>
+          <p:cNvPr id="27" name="Connecteur droit avec flèche 26">
+            <a:extLst>
+              <a:ext uri="{FF2B5EF4-FFF2-40B4-BE49-F238E27FC236}">
+                <a16:creationId xmlns:a16="http://schemas.microsoft.com/office/drawing/2014/main" id="{064AB111-5E64-B0CE-170E-10ADD415D98D}"/>
+              </a:ext>
+            </a:extLst>
+          </p:cNvPr>
+          <p:cNvCxnSpPr>
+            <a:cxnSpLocks/>
+            <a:stCxn id="4" idx="2"/>
+          </p:cNvCxnSpPr>
+          <p:nvPr/>
+        </p:nvCxnSpPr>
+        <p:spPr>
+          <a:xfrm>
+            <a:off x="6246277" y="3391013"/>
+            <a:ext cx="6635" cy="650582"/>
+          </a:xfrm>
+          <a:prstGeom prst="straightConnector1">
+            <a:avLst/>
+          </a:prstGeom>
+          <a:ln w="57150">
+            <a:headEnd type="none"/>
+            <a:tailEnd type="triangle"/>
+          </a:ln>
+        </p:spPr>
+        <p:style>
+          <a:lnRef idx="1">
+            <a:schemeClr val="accent1"/>
+          </a:lnRef>
+          <a:fillRef idx="0">
+            <a:schemeClr val="accent1"/>
+          </a:fillRef>
+          <a:effectRef idx="0">
+            <a:schemeClr val="accent1"/>
+          </a:effectRef>
+          <a:fontRef idx="minor">
+            <a:schemeClr val="tx1"/>
+          </a:fontRef>
+        </p:style>
+      </p:cxnSp>
+      <p:pic>
+        <p:nvPicPr>
+          <p:cNvPr id="33" name="Graphique 32" descr="Ordinateur avec un remplissage uni">
+            <a:extLst>
+              <a:ext uri="{FF2B5EF4-FFF2-40B4-BE49-F238E27FC236}">
+                <a16:creationId xmlns:a16="http://schemas.microsoft.com/office/drawing/2014/main" id="{BCAC1AA9-5DC8-F914-5F46-7AB93D73E38B}"/>
+              </a:ext>
+            </a:extLst>
+          </p:cNvPr>
+          <p:cNvPicPr>
+            <a:picLocks noChangeAspect="1"/>
+          </p:cNvPicPr>
+          <p:nvPr/>
+        </p:nvPicPr>
+        <p:blipFill>
+          <a:blip r:embed="rId3">
+            <a:extLst>
+              <a:ext uri="{28A0092B-C50C-407E-A947-70E740481C1C}">
+                <a14:useLocalDpi xmlns:a14="http://schemas.microsoft.com/office/drawing/2010/main" val="0"/>
+              </a:ext>
+              <a:ext uri="{96DAC541-7B7A-43D3-8B79-37D633B846F1}">
+                <asvg:svgBlip xmlns:asvg="http://schemas.microsoft.com/office/drawing/2016/SVG/main" r:embed="rId4"/>
+              </a:ext>
+            </a:extLst>
+          </a:blip>
+          <a:stretch>
+            <a:fillRect/>
+          </a:stretch>
+        </p:blipFill>
+        <p:spPr>
+          <a:xfrm>
+            <a:off x="7684140" y="2612419"/>
+            <a:ext cx="685800" cy="685800"/>
+          </a:xfrm>
+          <a:prstGeom prst="rect">
+            <a:avLst/>
+          </a:prstGeom>
+        </p:spPr>
+      </p:pic>
+      <p:cxnSp>
+        <p:nvCxnSpPr>
+          <p:cNvPr id="38" name="Connecteur droit avec flèche 37">
+            <a:extLst>
+              <a:ext uri="{FF2B5EF4-FFF2-40B4-BE49-F238E27FC236}">
+                <a16:creationId xmlns:a16="http://schemas.microsoft.com/office/drawing/2014/main" id="{F912D15A-4AC2-F142-7374-BF328BB1026B}"/>
+              </a:ext>
+            </a:extLst>
+          </p:cNvPr>
+          <p:cNvCxnSpPr>
+            <a:cxnSpLocks/>
+            <a:stCxn id="4" idx="3"/>
+            <a:endCxn id="33" idx="1"/>
+          </p:cNvCxnSpPr>
+          <p:nvPr/>
+        </p:nvCxnSpPr>
+        <p:spPr>
+          <a:xfrm flipV="1">
+            <a:off x="6680026" y="2955319"/>
+            <a:ext cx="1004114" cy="1945"/>
+          </a:xfrm>
+          <a:prstGeom prst="straightConnector1">
+            <a:avLst/>
+          </a:prstGeom>
+          <a:ln w="57150">
+            <a:headEnd type="triangle"/>
+            <a:tailEnd type="triangle"/>
+          </a:ln>
+        </p:spPr>
+        <p:style>
+          <a:lnRef idx="1">
+            <a:schemeClr val="accent1"/>
+          </a:lnRef>
+          <a:fillRef idx="0">
+            <a:schemeClr val="accent1"/>
+          </a:fillRef>
+          <a:effectRef idx="0">
+            <a:schemeClr val="accent1"/>
+          </a:effectRef>
+          <a:fontRef idx="minor">
+            <a:schemeClr val="tx1"/>
+          </a:fontRef>
+        </p:style>
+      </p:cxnSp>
+      <p:grpSp>
+        <p:nvGrpSpPr>
+          <p:cNvPr id="1031" name="Groupe 1030">
+            <a:extLst>
+              <a:ext uri="{FF2B5EF4-FFF2-40B4-BE49-F238E27FC236}">
+                <a16:creationId xmlns:a16="http://schemas.microsoft.com/office/drawing/2014/main" id="{27408B37-7571-659D-5374-18E36A087DF5}"/>
+              </a:ext>
+            </a:extLst>
+          </p:cNvPr>
+          <p:cNvGrpSpPr/>
+          <p:nvPr/>
+        </p:nvGrpSpPr>
+        <p:grpSpPr>
+          <a:xfrm>
+            <a:off x="1523737" y="3421814"/>
+            <a:ext cx="951106" cy="435318"/>
+            <a:chOff x="1918907" y="2319014"/>
+            <a:chExt cx="951106" cy="435318"/>
+          </a:xfrm>
+        </p:grpSpPr>
+        <p:sp>
+          <p:nvSpPr>
+            <p:cNvPr id="10" name="Rectangle 9">
+              <a:extLst>
+                <a:ext uri="{FF2B5EF4-FFF2-40B4-BE49-F238E27FC236}">
+                  <a16:creationId xmlns:a16="http://schemas.microsoft.com/office/drawing/2014/main" id="{74915136-7F52-0861-8BFB-648DDFFB0CDE}"/>
+                </a:ext>
+              </a:extLst>
+            </p:cNvPr>
+            <p:cNvSpPr/>
+            <p:nvPr/>
+          </p:nvSpPr>
+          <p:spPr>
+            <a:xfrm>
+              <a:off x="1918907" y="2533806"/>
+              <a:ext cx="951105" cy="220526"/>
+            </a:xfrm>
+            <a:prstGeom prst="rect">
+              <a:avLst/>
+            </a:prstGeom>
+            <a:solidFill>
+              <a:schemeClr val="accent4">
+                <a:lumMod val="20000"/>
+                <a:lumOff val="80000"/>
+              </a:schemeClr>
+            </a:solidFill>
+            <a:ln w="3175"/>
+          </p:spPr>
+          <p:style>
+            <a:lnRef idx="2">
+              <a:schemeClr val="accent1">
+                <a:shade val="15000"/>
+              </a:schemeClr>
+            </a:lnRef>
+            <a:fillRef idx="1">
+              <a:schemeClr val="accent1"/>
+            </a:fillRef>
+            <a:effectRef idx="0">
+              <a:schemeClr val="accent1"/>
+            </a:effectRef>
+            <a:fontRef idx="minor">
+              <a:schemeClr val="lt1"/>
+            </a:fontRef>
+          </p:style>
+          <p:txBody>
+            <a:bodyPr rtlCol="0" anchor="ctr"/>
+            <a:lstStyle/>
+            <a:p>
+              <a:pPr algn="ctr"/>
+              <a:r>
+                <a:rPr lang="fr-FR" sz="800" dirty="0">
+                  <a:solidFill>
+                    <a:schemeClr val="tx1"/>
+                  </a:solidFill>
+                  <a:latin typeface="Courier New" panose="02070309020205020404" pitchFamily="49" charset="0"/>
+                  <a:cs typeface="Courier New" panose="02070309020205020404" pitchFamily="49" charset="0"/>
+                </a:rPr>
+                <a:t>S3</a:t>
+              </a:r>
+            </a:p>
+          </p:txBody>
+        </p:sp>
+        <p:sp>
+          <p:nvSpPr>
+            <p:cNvPr id="11" name="ZoneTexte 10">
+              <a:extLst>
+                <a:ext uri="{FF2B5EF4-FFF2-40B4-BE49-F238E27FC236}">
+                  <a16:creationId xmlns:a16="http://schemas.microsoft.com/office/drawing/2014/main" id="{79E35FDB-22AC-7F4D-2AE0-1F1272A4399D}"/>
+                </a:ext>
+              </a:extLst>
+            </p:cNvPr>
+            <p:cNvSpPr txBox="1"/>
+            <p:nvPr/>
+          </p:nvSpPr>
+          <p:spPr>
+            <a:xfrm>
+              <a:off x="1918908" y="2319014"/>
+              <a:ext cx="951105" cy="215444"/>
+            </a:xfrm>
+            <a:prstGeom prst="rect">
+              <a:avLst/>
+            </a:prstGeom>
+            <a:solidFill>
+              <a:schemeClr val="accent2">
+                <a:lumMod val="20000"/>
+                <a:lumOff val="80000"/>
+              </a:schemeClr>
+            </a:solidFill>
+            <a:ln w="3175">
+              <a:solidFill>
+                <a:schemeClr val="tx1"/>
+              </a:solidFill>
+            </a:ln>
+          </p:spPr>
+          <p:txBody>
+            <a:bodyPr wrap="square" rtlCol="0" anchor="ctr">
+              <a:spAutoFit/>
+            </a:bodyPr>
+            <a:lstStyle>
+              <a:defPPr marR="0" lvl="0" algn="l" rtl="0">
+                <a:lnSpc>
+                  <a:spcPct val="100000"/>
+                </a:lnSpc>
+                <a:spcBef>
+                  <a:spcPts val="0"/>
+                </a:spcBef>
+                <a:spcAft>
+                  <a:spcPts val="0"/>
+                </a:spcAft>
+                <a:defRPr/>
+              </a:defPPr>
+              <a:lvl1pPr algn="ctr">
+                <a:defRPr sz="675">
+                  <a:latin typeface="Courier New" panose="02070309020205020404" pitchFamily="49" charset="0"/>
+                  <a:cs typeface="Courier New" panose="02070309020205020404" pitchFamily="49" charset="0"/>
+                </a:defRPr>
+              </a:lvl1pPr>
+            </a:lstStyle>
+            <a:p>
+              <a:r>
+                <a:rPr lang="fr-FR" sz="800" dirty="0" err="1"/>
+                <a:t>Storing</a:t>
+              </a:r>
+              <a:endParaRPr lang="fr-FR" sz="800" dirty="0"/>
+            </a:p>
+          </p:txBody>
+        </p:sp>
+      </p:grpSp>
+      <p:grpSp>
+        <p:nvGrpSpPr>
+          <p:cNvPr id="12" name="Groupe 11">
+            <a:extLst>
+              <a:ext uri="{FF2B5EF4-FFF2-40B4-BE49-F238E27FC236}">
+                <a16:creationId xmlns:a16="http://schemas.microsoft.com/office/drawing/2014/main" id="{9ED725BF-90E5-1579-3A48-8DC4BFCF831D}"/>
+              </a:ext>
+            </a:extLst>
+          </p:cNvPr>
+          <p:cNvGrpSpPr/>
+          <p:nvPr/>
+        </p:nvGrpSpPr>
+        <p:grpSpPr>
+          <a:xfrm>
+            <a:off x="6025630" y="3826151"/>
+            <a:ext cx="1151805" cy="795059"/>
+            <a:chOff x="6025630" y="3826151"/>
+            <a:chExt cx="1151805" cy="795059"/>
+          </a:xfrm>
+        </p:grpSpPr>
+        <p:grpSp>
+          <p:nvGrpSpPr>
+            <p:cNvPr id="24" name="Groupe 23">
+              <a:extLst>
+                <a:ext uri="{FF2B5EF4-FFF2-40B4-BE49-F238E27FC236}">
+                  <a16:creationId xmlns:a16="http://schemas.microsoft.com/office/drawing/2014/main" id="{877BD90E-61C7-545A-7D6C-41BFE296E3FA}"/>
+                </a:ext>
+              </a:extLst>
+            </p:cNvPr>
+            <p:cNvGrpSpPr/>
+            <p:nvPr/>
+          </p:nvGrpSpPr>
+          <p:grpSpPr>
+            <a:xfrm>
+              <a:off x="6025630" y="3935410"/>
+              <a:ext cx="685800" cy="685800"/>
+              <a:chOff x="3518477" y="2676206"/>
+              <a:chExt cx="685800" cy="685800"/>
+            </a:xfrm>
+          </p:grpSpPr>
+          <p:pic>
+            <p:nvPicPr>
+              <p:cNvPr id="25" name="Graphique 24" descr="Ordinateur avec un remplissage uni">
+                <a:extLst>
+                  <a:ext uri="{FF2B5EF4-FFF2-40B4-BE49-F238E27FC236}">
+                    <a16:creationId xmlns:a16="http://schemas.microsoft.com/office/drawing/2014/main" id="{58B98C6B-4E84-6906-C69F-F03FE7557709}"/>
+                  </a:ext>
+                </a:extLst>
+              </p:cNvPr>
+              <p:cNvPicPr>
+                <a:picLocks noChangeAspect="1"/>
+              </p:cNvPicPr>
+              <p:nvPr/>
+            </p:nvPicPr>
+            <p:blipFill>
+              <a:blip r:embed="rId3">
+                <a:extLst>
+                  <a:ext uri="{28A0092B-C50C-407E-A947-70E740481C1C}">
+                    <a14:useLocalDpi xmlns:a14="http://schemas.microsoft.com/office/drawing/2010/main" val="0"/>
+                  </a:ext>
+                  <a:ext uri="{96DAC541-7B7A-43D3-8B79-37D633B846F1}">
+                    <asvg:svgBlip xmlns:asvg="http://schemas.microsoft.com/office/drawing/2016/SVG/main" r:embed="rId4"/>
+                  </a:ext>
+                </a:extLst>
+              </a:blip>
+              <a:stretch>
+                <a:fillRect/>
+              </a:stretch>
+            </p:blipFill>
+            <p:spPr>
+              <a:xfrm>
+                <a:off x="3518477" y="2676206"/>
+                <a:ext cx="685800" cy="685800"/>
+              </a:xfrm>
+              <a:prstGeom prst="rect">
+                <a:avLst/>
+              </a:prstGeom>
+            </p:spPr>
+          </p:pic>
+          <p:pic>
+            <p:nvPicPr>
+              <p:cNvPr id="26" name="Image 25">
+                <a:extLst>
+                  <a:ext uri="{FF2B5EF4-FFF2-40B4-BE49-F238E27FC236}">
+                    <a16:creationId xmlns:a16="http://schemas.microsoft.com/office/drawing/2014/main" id="{3C959D3F-A7DE-F337-430A-38BE1E9A400C}"/>
+                  </a:ext>
+                </a:extLst>
+              </p:cNvPr>
+              <p:cNvPicPr>
+                <a:picLocks noChangeAspect="1"/>
+              </p:cNvPicPr>
+              <p:nvPr/>
+            </p:nvPicPr>
+            <p:blipFill>
+              <a:blip r:embed="rId8"/>
+              <a:stretch>
+                <a:fillRect/>
+              </a:stretch>
+            </p:blipFill>
+            <p:spPr>
+              <a:xfrm>
+                <a:off x="3594735" y="2860818"/>
+                <a:ext cx="305329" cy="228556"/>
+              </a:xfrm>
+              <a:prstGeom prst="rect">
+                <a:avLst/>
+              </a:prstGeom>
+            </p:spPr>
+          </p:pic>
+        </p:grpSp>
+        <p:sp>
+          <p:nvSpPr>
+            <p:cNvPr id="31" name="ZoneTexte 30">
+              <a:extLst>
+                <a:ext uri="{FF2B5EF4-FFF2-40B4-BE49-F238E27FC236}">
+                  <a16:creationId xmlns:a16="http://schemas.microsoft.com/office/drawing/2014/main" id="{411D03E1-FE63-49A3-4D06-E97A1449DFC3}"/>
+                </a:ext>
+              </a:extLst>
+            </p:cNvPr>
+            <p:cNvSpPr txBox="1"/>
+            <p:nvPr/>
+          </p:nvSpPr>
+          <p:spPr>
+            <a:xfrm>
+              <a:off x="6375362" y="3826151"/>
+              <a:ext cx="802073" cy="215444"/>
+            </a:xfrm>
+            <a:prstGeom prst="rect">
+              <a:avLst/>
+            </a:prstGeom>
+            <a:solidFill>
+              <a:schemeClr val="accent2">
+                <a:lumMod val="20000"/>
+                <a:lumOff val="80000"/>
+              </a:schemeClr>
+            </a:solidFill>
+            <a:ln w="3175">
+              <a:solidFill>
+                <a:schemeClr val="tx1"/>
+              </a:solidFill>
+            </a:ln>
+          </p:spPr>
+          <p:txBody>
+            <a:bodyPr wrap="square" rtlCol="0" anchor="ctr">
+              <a:spAutoFit/>
+            </a:bodyPr>
+            <a:lstStyle>
+              <a:defPPr marR="0" lvl="0" algn="l" rtl="0">
+                <a:lnSpc>
+                  <a:spcPct val="100000"/>
+                </a:lnSpc>
+                <a:spcBef>
+                  <a:spcPts val="0"/>
+                </a:spcBef>
+                <a:spcAft>
+                  <a:spcPts val="0"/>
+                </a:spcAft>
+              </a:defPPr>
+              <a:lvl1pPr algn="ctr">
+                <a:defRPr sz="675">
+                  <a:latin typeface="Courier New" panose="02070309020205020404" pitchFamily="49" charset="0"/>
+                  <a:cs typeface="Courier New" panose="02070309020205020404" pitchFamily="49" charset="0"/>
+                </a:defRPr>
+              </a:lvl1pPr>
+            </a:lstStyle>
+            <a:p>
+              <a:r>
+                <a:rPr lang="fr-FR" sz="800" dirty="0"/>
+                <a:t>Monitoring</a:t>
+              </a:r>
+            </a:p>
+          </p:txBody>
+        </p:sp>
+      </p:grpSp>
+      <p:grpSp>
+        <p:nvGrpSpPr>
+          <p:cNvPr id="1027" name="Groupe 1026">
+            <a:extLst>
+              <a:ext uri="{FF2B5EF4-FFF2-40B4-BE49-F238E27FC236}">
+                <a16:creationId xmlns:a16="http://schemas.microsoft.com/office/drawing/2014/main" id="{9C71DFE7-C00D-9221-C068-D6B6C4D74F1C}"/>
+              </a:ext>
+            </a:extLst>
+          </p:cNvPr>
+          <p:cNvGrpSpPr/>
+          <p:nvPr/>
+        </p:nvGrpSpPr>
+        <p:grpSpPr>
+          <a:xfrm>
+            <a:off x="4253107" y="881702"/>
+            <a:ext cx="1115165" cy="650767"/>
+            <a:chOff x="4082059" y="570089"/>
+            <a:chExt cx="1115165" cy="650767"/>
+          </a:xfrm>
+        </p:grpSpPr>
+        <p:sp>
+          <p:nvSpPr>
+            <p:cNvPr id="45" name="Rectangle 44">
+              <a:extLst>
+                <a:ext uri="{FF2B5EF4-FFF2-40B4-BE49-F238E27FC236}">
+                  <a16:creationId xmlns:a16="http://schemas.microsoft.com/office/drawing/2014/main" id="{B7EC46BE-0F3E-CD8B-03B9-18067334CF89}"/>
+                </a:ext>
+              </a:extLst>
+            </p:cNvPr>
+            <p:cNvSpPr/>
+            <p:nvPr/>
+          </p:nvSpPr>
+          <p:spPr>
+            <a:xfrm>
+              <a:off x="4082060" y="785799"/>
+              <a:ext cx="1115164" cy="220526"/>
+            </a:xfrm>
+            <a:prstGeom prst="rect">
+              <a:avLst/>
+            </a:prstGeom>
+            <a:solidFill>
+              <a:schemeClr val="accent4">
+                <a:lumMod val="20000"/>
+                <a:lumOff val="80000"/>
+              </a:schemeClr>
+            </a:solidFill>
+            <a:ln w="3175"/>
+          </p:spPr>
+          <p:style>
+            <a:lnRef idx="2">
+              <a:schemeClr val="accent1">
+                <a:shade val="15000"/>
+              </a:schemeClr>
+            </a:lnRef>
+            <a:fillRef idx="1">
+              <a:schemeClr val="accent1"/>
+            </a:fillRef>
+            <a:effectRef idx="0">
+              <a:schemeClr val="accent1"/>
+            </a:effectRef>
+            <a:fontRef idx="minor">
+              <a:schemeClr val="lt1"/>
+            </a:fontRef>
+          </p:style>
+          <p:txBody>
+            <a:bodyPr rtlCol="0" anchor="ctr"/>
+            <a:lstStyle/>
+            <a:p>
+              <a:pPr algn="ctr"/>
+              <a:r>
+                <a:rPr lang="fr-FR" sz="800" dirty="0">
+                  <a:solidFill>
+                    <a:schemeClr val="tx1"/>
+                  </a:solidFill>
+                  <a:latin typeface="Courier New" panose="02070309020205020404" pitchFamily="49" charset="0"/>
+                  <a:cs typeface="Courier New" panose="02070309020205020404" pitchFamily="49" charset="0"/>
+                </a:rPr>
+                <a:t>EC2 </a:t>
+              </a:r>
+              <a:r>
+                <a:rPr lang="fr-FR" sz="800" dirty="0" err="1">
+                  <a:solidFill>
+                    <a:schemeClr val="tx1"/>
+                  </a:solidFill>
+                  <a:latin typeface="Courier New" panose="02070309020205020404" pitchFamily="49" charset="0"/>
+                  <a:cs typeface="Courier New" panose="02070309020205020404" pitchFamily="49" charset="0"/>
+                </a:rPr>
+                <a:t>others</a:t>
+              </a:r>
+              <a:endParaRPr lang="fr-FR" sz="800" dirty="0">
+                <a:solidFill>
+                  <a:schemeClr val="tx1"/>
+                </a:solidFill>
+                <a:latin typeface="Courier New" panose="02070309020205020404" pitchFamily="49" charset="0"/>
+                <a:cs typeface="Courier New" panose="02070309020205020404" pitchFamily="49" charset="0"/>
+              </a:endParaRPr>
+            </a:p>
+          </p:txBody>
+        </p:sp>
+        <p:sp>
+          <p:nvSpPr>
+            <p:cNvPr id="49" name="ZoneTexte 48">
+              <a:extLst>
+                <a:ext uri="{FF2B5EF4-FFF2-40B4-BE49-F238E27FC236}">
+                  <a16:creationId xmlns:a16="http://schemas.microsoft.com/office/drawing/2014/main" id="{E0D268CB-4B06-33FC-48AF-159E508BF0C9}"/>
+                </a:ext>
+              </a:extLst>
+            </p:cNvPr>
+            <p:cNvSpPr txBox="1"/>
+            <p:nvPr/>
+          </p:nvSpPr>
+          <p:spPr>
+            <a:xfrm>
+              <a:off x="4082059" y="1005412"/>
+              <a:ext cx="1115164" cy="215444"/>
+            </a:xfrm>
+            <a:prstGeom prst="rect">
+              <a:avLst/>
+            </a:prstGeom>
+            <a:solidFill>
+              <a:schemeClr val="accent5">
+                <a:lumMod val="20000"/>
+                <a:lumOff val="80000"/>
+              </a:schemeClr>
+            </a:solidFill>
+            <a:ln w="3175">
+              <a:solidFill>
+                <a:schemeClr val="tx1"/>
+              </a:solidFill>
+            </a:ln>
+          </p:spPr>
+          <p:txBody>
+            <a:bodyPr wrap="square" rtlCol="0">
+              <a:spAutoFit/>
+            </a:bodyPr>
+            <a:lstStyle>
+              <a:defPPr marR="0" lvl="0" algn="l" rtl="0">
+                <a:lnSpc>
+                  <a:spcPct val="100000"/>
+                </a:lnSpc>
+                <a:spcBef>
+                  <a:spcPts val="0"/>
+                </a:spcBef>
+                <a:spcAft>
+                  <a:spcPts val="0"/>
+                </a:spcAft>
+              </a:defPPr>
+              <a:lvl1pPr>
+                <a:defRPr sz="800">
+                  <a:latin typeface="Courier New" panose="02070309020205020404" pitchFamily="49" charset="0"/>
+                  <a:cs typeface="Courier New" panose="02070309020205020404" pitchFamily="49" charset="0"/>
+                </a:defRPr>
+              </a:lvl1pPr>
+            </a:lstStyle>
+            <a:p>
+              <a:r>
+                <a:rPr lang="fr-FR" dirty="0" err="1"/>
+                <a:t>MLFlow</a:t>
+              </a:r>
+              <a:r>
+                <a:rPr lang="fr-FR" dirty="0"/>
+                <a:t> </a:t>
+              </a:r>
+              <a:r>
+                <a:rPr lang="fr-FR" dirty="0" err="1"/>
+                <a:t>projects</a:t>
+              </a:r>
+              <a:endParaRPr lang="fr-FR" dirty="0"/>
+            </a:p>
+          </p:txBody>
+        </p:sp>
+        <p:sp>
+          <p:nvSpPr>
+            <p:cNvPr id="15" name="ZoneTexte 14">
+              <a:extLst>
+                <a:ext uri="{FF2B5EF4-FFF2-40B4-BE49-F238E27FC236}">
+                  <a16:creationId xmlns:a16="http://schemas.microsoft.com/office/drawing/2014/main" id="{85B6C5E1-6C57-B98B-0DA8-28B9893D188A}"/>
+                </a:ext>
+              </a:extLst>
+            </p:cNvPr>
+            <p:cNvSpPr txBox="1"/>
+            <p:nvPr/>
+          </p:nvSpPr>
+          <p:spPr>
+            <a:xfrm>
+              <a:off x="4082059" y="570089"/>
+              <a:ext cx="1115164" cy="215444"/>
+            </a:xfrm>
+            <a:prstGeom prst="rect">
+              <a:avLst/>
+            </a:prstGeom>
+            <a:solidFill>
+              <a:schemeClr val="accent2">
+                <a:lumMod val="20000"/>
+                <a:lumOff val="80000"/>
+              </a:schemeClr>
+            </a:solidFill>
+            <a:ln w="3175">
+              <a:solidFill>
+                <a:schemeClr val="tx1"/>
+              </a:solidFill>
+            </a:ln>
+          </p:spPr>
+          <p:txBody>
+            <a:bodyPr wrap="square" rtlCol="0" anchor="ctr">
+              <a:spAutoFit/>
+            </a:bodyPr>
+            <a:lstStyle>
+              <a:defPPr marR="0" lvl="0" algn="l" rtl="0">
+                <a:lnSpc>
+                  <a:spcPct val="100000"/>
+                </a:lnSpc>
+                <a:spcBef>
+                  <a:spcPts val="0"/>
+                </a:spcBef>
+                <a:spcAft>
+                  <a:spcPts val="0"/>
+                </a:spcAft>
+                <a:defRPr/>
+              </a:defPPr>
+              <a:lvl1pPr algn="ctr">
+                <a:defRPr sz="675">
+                  <a:latin typeface="Courier New" panose="02070309020205020404" pitchFamily="49" charset="0"/>
+                  <a:cs typeface="Courier New" panose="02070309020205020404" pitchFamily="49" charset="0"/>
+                </a:defRPr>
+              </a:lvl1pPr>
+            </a:lstStyle>
+            <a:p>
+              <a:r>
+                <a:rPr lang="fr-FR" sz="800" dirty="0"/>
+                <a:t>Training</a:t>
+              </a:r>
+            </a:p>
+          </p:txBody>
+        </p:sp>
+      </p:grpSp>
+      <p:pic>
+        <p:nvPicPr>
+          <p:cNvPr id="47" name="Graphique 46" descr="Nuage avec un remplissage uni">
+            <a:extLst>
+              <a:ext uri="{FF2B5EF4-FFF2-40B4-BE49-F238E27FC236}">
+                <a16:creationId xmlns:a16="http://schemas.microsoft.com/office/drawing/2014/main" id="{EAA36F96-0FAE-1D0A-E12A-AA22913FAB08}"/>
+              </a:ext>
+            </a:extLst>
+          </p:cNvPr>
+          <p:cNvPicPr>
+            <a:picLocks noChangeAspect="1"/>
+          </p:cNvPicPr>
+          <p:nvPr/>
+        </p:nvPicPr>
+        <p:blipFill>
+          <a:blip r:embed="rId9">
+            <a:extLst>
+              <a:ext uri="{96DAC541-7B7A-43D3-8B79-37D633B846F1}">
+                <asvg:svgBlip xmlns:asvg="http://schemas.microsoft.com/office/drawing/2016/SVG/main" r:embed="rId10"/>
+              </a:ext>
+            </a:extLst>
+          </a:blip>
+          <a:stretch>
+            <a:fillRect/>
+          </a:stretch>
+        </p:blipFill>
+        <p:spPr>
+          <a:xfrm>
+            <a:off x="149634" y="2615657"/>
+            <a:ext cx="664963" cy="664963"/>
+          </a:xfrm>
+          <a:prstGeom prst="rect">
+            <a:avLst/>
+          </a:prstGeom>
+        </p:spPr>
+      </p:pic>
+      <p:grpSp>
+        <p:nvGrpSpPr>
+          <p:cNvPr id="13" name="Groupe 12">
+            <a:extLst>
+              <a:ext uri="{FF2B5EF4-FFF2-40B4-BE49-F238E27FC236}">
+                <a16:creationId xmlns:a16="http://schemas.microsoft.com/office/drawing/2014/main" id="{DE30BA35-B98E-D8A5-C9E9-90092CB10684}"/>
+              </a:ext>
+            </a:extLst>
+          </p:cNvPr>
+          <p:cNvGrpSpPr/>
+          <p:nvPr/>
+        </p:nvGrpSpPr>
+        <p:grpSpPr>
+          <a:xfrm>
+            <a:off x="4744057" y="3663044"/>
+            <a:ext cx="1048354" cy="1016278"/>
+            <a:chOff x="4744057" y="3663044"/>
+            <a:chExt cx="1048354" cy="1016278"/>
+          </a:xfrm>
+        </p:grpSpPr>
+        <p:grpSp>
+          <p:nvGrpSpPr>
+            <p:cNvPr id="56" name="Groupe 55">
+              <a:extLst>
+                <a:ext uri="{FF2B5EF4-FFF2-40B4-BE49-F238E27FC236}">
+                  <a16:creationId xmlns:a16="http://schemas.microsoft.com/office/drawing/2014/main" id="{2C2DF18E-AC16-43EF-C64A-8E7B5B3DB147}"/>
+                </a:ext>
+              </a:extLst>
+            </p:cNvPr>
+            <p:cNvGrpSpPr/>
+            <p:nvPr/>
+          </p:nvGrpSpPr>
+          <p:grpSpPr>
+            <a:xfrm rot="20850387">
+              <a:off x="4744057" y="3663044"/>
+              <a:ext cx="1037697" cy="1016278"/>
+              <a:chOff x="700951" y="3221919"/>
+              <a:chExt cx="1037697" cy="1016278"/>
+            </a:xfrm>
+            <a:solidFill>
+              <a:srgbClr val="C00000"/>
+            </a:solidFill>
+          </p:grpSpPr>
+          <p:pic>
+            <p:nvPicPr>
+              <p:cNvPr id="54" name="Graphique 53" descr="Ligne fléchée : faire pivoter à droite avec un remplissage uni">
+                <a:extLst>
+                  <a:ext uri="{FF2B5EF4-FFF2-40B4-BE49-F238E27FC236}">
+                    <a16:creationId xmlns:a16="http://schemas.microsoft.com/office/drawing/2014/main" id="{9A92D136-E70E-C007-E650-A2D70CD4F353}"/>
+                  </a:ext>
+                </a:extLst>
+              </p:cNvPr>
+              <p:cNvPicPr>
+                <a:picLocks noChangeAspect="1"/>
+              </p:cNvPicPr>
+              <p:nvPr/>
+            </p:nvPicPr>
+            <p:blipFill>
+              <a:blip r:embed="rId11">
+                <a:extLst>
+                  <a:ext uri="{96DAC541-7B7A-43D3-8B79-37D633B846F1}">
+                    <asvg:svgBlip xmlns:asvg="http://schemas.microsoft.com/office/drawing/2016/SVG/main" r:embed="rId12"/>
+                  </a:ext>
+                </a:extLst>
+              </a:blip>
+              <a:stretch>
+                <a:fillRect/>
+              </a:stretch>
+            </p:blipFill>
+            <p:spPr>
+              <a:xfrm>
+                <a:off x="824248" y="3221919"/>
+                <a:ext cx="914400" cy="914400"/>
+              </a:xfrm>
+              <a:prstGeom prst="rect">
+                <a:avLst/>
+              </a:prstGeom>
+            </p:spPr>
+          </p:pic>
+          <p:pic>
+            <p:nvPicPr>
+              <p:cNvPr id="55" name="Graphique 54" descr="Ligne fléchée : faire pivoter à droite avec un remplissage uni">
+                <a:extLst>
+                  <a:ext uri="{FF2B5EF4-FFF2-40B4-BE49-F238E27FC236}">
+                    <a16:creationId xmlns:a16="http://schemas.microsoft.com/office/drawing/2014/main" id="{C063199A-312E-B148-3C65-8FAC334CC405}"/>
+                  </a:ext>
+                </a:extLst>
+              </p:cNvPr>
+              <p:cNvPicPr>
+                <a:picLocks noChangeAspect="1"/>
+              </p:cNvPicPr>
+              <p:nvPr/>
+            </p:nvPicPr>
+            <p:blipFill>
+              <a:blip r:embed="rId11">
+                <a:extLst>
+                  <a:ext uri="{96DAC541-7B7A-43D3-8B79-37D633B846F1}">
+                    <asvg:svgBlip xmlns:asvg="http://schemas.microsoft.com/office/drawing/2016/SVG/main" r:embed="rId12"/>
+                  </a:ext>
+                </a:extLst>
+              </a:blip>
+              <a:stretch>
+                <a:fillRect/>
+              </a:stretch>
+            </p:blipFill>
+            <p:spPr>
+              <a:xfrm rot="10331277">
+                <a:off x="700951" y="3323797"/>
+                <a:ext cx="914400" cy="914400"/>
+              </a:xfrm>
+              <a:prstGeom prst="rect">
+                <a:avLst/>
+              </a:prstGeom>
+            </p:spPr>
+          </p:pic>
+        </p:grpSp>
+        <p:sp>
+          <p:nvSpPr>
+            <p:cNvPr id="57" name="ZoneTexte 56">
+              <a:extLst>
+                <a:ext uri="{FF2B5EF4-FFF2-40B4-BE49-F238E27FC236}">
+                  <a16:creationId xmlns:a16="http://schemas.microsoft.com/office/drawing/2014/main" id="{42D4720D-D86B-CDF4-BA54-47094D836E44}"/>
+                </a:ext>
+              </a:extLst>
+            </p:cNvPr>
+            <p:cNvSpPr txBox="1"/>
+            <p:nvPr/>
+          </p:nvSpPr>
+          <p:spPr>
+            <a:xfrm>
+              <a:off x="5263911" y="4401866"/>
+              <a:ext cx="528500" cy="184666"/>
+            </a:xfrm>
+            <a:prstGeom prst="rect">
+              <a:avLst/>
+            </a:prstGeom>
+            <a:solidFill>
+              <a:schemeClr val="accent6"/>
+            </a:solidFill>
+            <a:ln w="3175">
+              <a:solidFill>
+                <a:schemeClr val="tx1"/>
+              </a:solidFill>
+            </a:ln>
+          </p:spPr>
+          <p:txBody>
+            <a:bodyPr wrap="square" rtlCol="0" anchor="ctr">
+              <a:spAutoFit/>
+            </a:bodyPr>
+            <a:lstStyle>
+              <a:defPPr marR="0" lvl="0" algn="l" rtl="0">
+                <a:lnSpc>
+                  <a:spcPct val="100000"/>
+                </a:lnSpc>
+                <a:spcBef>
+                  <a:spcPts val="0"/>
+                </a:spcBef>
+                <a:spcAft>
+                  <a:spcPts val="0"/>
+                </a:spcAft>
+                <a:defRPr/>
+              </a:defPPr>
+              <a:lvl1pPr algn="ctr">
+                <a:defRPr sz="600">
+                  <a:latin typeface="Courier New" panose="02070309020205020404" pitchFamily="49" charset="0"/>
+                  <a:cs typeface="Courier New" panose="02070309020205020404" pitchFamily="49" charset="0"/>
+                </a:defRPr>
+              </a:lvl1pPr>
+            </a:lstStyle>
+            <a:p>
+              <a:r>
+                <a:rPr lang="fr-FR" dirty="0" err="1"/>
+                <a:t>Iterate</a:t>
+              </a:r>
+              <a:endParaRPr lang="fr-FR" dirty="0"/>
+            </a:p>
+          </p:txBody>
+        </p:sp>
+      </p:grpSp>
+      <p:pic>
+        <p:nvPicPr>
+          <p:cNvPr id="60" name="Image 59">
+            <a:extLst>
+              <a:ext uri="{FF2B5EF4-FFF2-40B4-BE49-F238E27FC236}">
+                <a16:creationId xmlns:a16="http://schemas.microsoft.com/office/drawing/2014/main" id="{7CB98866-60DE-CAB4-E3DA-4474A06D0431}"/>
+              </a:ext>
+            </a:extLst>
+          </p:cNvPr>
+          <p:cNvPicPr>
+            <a:picLocks noChangeAspect="1"/>
+          </p:cNvPicPr>
+          <p:nvPr/>
+        </p:nvPicPr>
+        <p:blipFill rotWithShape="1">
+          <a:blip r:embed="rId13"/>
+          <a:srcRect l="8118" t="7108" r="12015" b="4195"/>
+          <a:stretch/>
+        </p:blipFill>
+        <p:spPr>
+          <a:xfrm>
+            <a:off x="8312689" y="3196437"/>
+            <a:ext cx="273554" cy="285386"/>
+          </a:xfrm>
+          <a:prstGeom prst="rect">
+            <a:avLst/>
+          </a:prstGeom>
+          <a:effectLst>
+            <a:outerShdw blurRad="50800" dist="38100" dir="2700000" algn="tl" rotWithShape="0">
+              <a:prstClr val="black">
+                <a:alpha val="40000"/>
+              </a:prstClr>
+            </a:outerShdw>
+          </a:effectLst>
+        </p:spPr>
+      </p:pic>
+      <p:pic>
+        <p:nvPicPr>
+          <p:cNvPr id="1026" name="Picture 2" descr="Gpu - Icônes ordinateur gratuites">
+            <a:extLst>
+              <a:ext uri="{FF2B5EF4-FFF2-40B4-BE49-F238E27FC236}">
+                <a16:creationId xmlns:a16="http://schemas.microsoft.com/office/drawing/2014/main" id="{0728D59F-5B9E-737F-DE8A-6695246453B8}"/>
+              </a:ext>
+            </a:extLst>
+          </p:cNvPr>
+          <p:cNvPicPr>
+            <a:picLocks noChangeAspect="1" noChangeArrowheads="1"/>
+          </p:cNvPicPr>
+          <p:nvPr/>
+        </p:nvPicPr>
+        <p:blipFill>
+          <a:blip r:embed="rId14">
+            <a:extLst>
+              <a:ext uri="{28A0092B-C50C-407E-A947-70E740481C1C}">
+                <a14:useLocalDpi xmlns:a14="http://schemas.microsoft.com/office/drawing/2010/main" val="0"/>
+              </a:ext>
+            </a:extLst>
+          </a:blip>
+          <a:srcRect/>
+          <a:stretch>
+            <a:fillRect/>
+          </a:stretch>
+        </p:blipFill>
+        <p:spPr bwMode="auto">
+          <a:xfrm>
+            <a:off x="3860031" y="2745511"/>
+            <a:ext cx="737811" cy="737811"/>
+          </a:xfrm>
+          <a:prstGeom prst="rect">
+            <a:avLst/>
+          </a:prstGeom>
+          <a:noFill/>
+          <a:extLst>
+            <a:ext uri="{909E8E84-426E-40DD-AFC4-6F175D3DCCD1}">
+              <a14:hiddenFill xmlns:a14="http://schemas.microsoft.com/office/drawing/2010/main">
+                <a:solidFill>
+                  <a:srgbClr val="FFFFFF"/>
+                </a:solidFill>
+              </a14:hiddenFill>
+            </a:ext>
+          </a:extLst>
+        </p:spPr>
+      </p:pic>
+      <p:grpSp>
+        <p:nvGrpSpPr>
+          <p:cNvPr id="1028" name="Groupe 1027">
+            <a:extLst>
+              <a:ext uri="{FF2B5EF4-FFF2-40B4-BE49-F238E27FC236}">
+                <a16:creationId xmlns:a16="http://schemas.microsoft.com/office/drawing/2014/main" id="{BAF9EED9-AED1-DC68-2DCE-26FB79C6239A}"/>
+              </a:ext>
+            </a:extLst>
+          </p:cNvPr>
+          <p:cNvGrpSpPr/>
+          <p:nvPr/>
+        </p:nvGrpSpPr>
+        <p:grpSpPr>
+          <a:xfrm>
+            <a:off x="7811770" y="2090576"/>
+            <a:ext cx="874209" cy="630045"/>
+            <a:chOff x="7847330" y="2494196"/>
+            <a:chExt cx="874209" cy="630045"/>
+          </a:xfrm>
+        </p:grpSpPr>
+        <p:sp>
+          <p:nvSpPr>
+            <p:cNvPr id="35" name="ZoneTexte 34">
+              <a:extLst>
+                <a:ext uri="{FF2B5EF4-FFF2-40B4-BE49-F238E27FC236}">
+                  <a16:creationId xmlns:a16="http://schemas.microsoft.com/office/drawing/2014/main" id="{D274B890-A8EE-A186-7126-825C2C23FECC}"/>
+                </a:ext>
+              </a:extLst>
+            </p:cNvPr>
+            <p:cNvSpPr txBox="1"/>
+            <p:nvPr/>
+          </p:nvSpPr>
+          <p:spPr>
+            <a:xfrm>
+              <a:off x="7847331" y="2494196"/>
+              <a:ext cx="874208" cy="215444"/>
+            </a:xfrm>
+            <a:prstGeom prst="rect">
+              <a:avLst/>
+            </a:prstGeom>
+            <a:solidFill>
+              <a:schemeClr val="accent2">
+                <a:lumMod val="20000"/>
+                <a:lumOff val="80000"/>
+              </a:schemeClr>
+            </a:solidFill>
+            <a:ln w="3175">
+              <a:solidFill>
+                <a:schemeClr val="tx1"/>
+              </a:solidFill>
+            </a:ln>
+          </p:spPr>
+          <p:txBody>
+            <a:bodyPr wrap="square" rtlCol="0" anchor="ctr">
+              <a:spAutoFit/>
+            </a:bodyPr>
+            <a:lstStyle>
+              <a:defPPr marR="0" lvl="0" algn="l" rtl="0">
+                <a:lnSpc>
+                  <a:spcPct val="100000"/>
+                </a:lnSpc>
+                <a:spcBef>
+                  <a:spcPts val="0"/>
+                </a:spcBef>
+                <a:spcAft>
+                  <a:spcPts val="0"/>
+                </a:spcAft>
+              </a:defPPr>
+              <a:lvl1pPr algn="ctr">
+                <a:defRPr sz="675">
+                  <a:latin typeface="Courier New" panose="02070309020205020404" pitchFamily="49" charset="0"/>
+                  <a:cs typeface="Courier New" panose="02070309020205020404" pitchFamily="49" charset="0"/>
+                </a:defRPr>
+              </a:lvl1pPr>
+            </a:lstStyle>
+            <a:p>
+              <a:r>
+                <a:rPr lang="fr-FR" sz="800" dirty="0" err="1"/>
+                <a:t>Consuming</a:t>
+              </a:r>
+              <a:endParaRPr lang="fr-FR" sz="800" dirty="0"/>
+            </a:p>
+          </p:txBody>
+        </p:sp>
+        <p:sp>
+          <p:nvSpPr>
+            <p:cNvPr id="62" name="Rectangle 61">
+              <a:extLst>
+                <a:ext uri="{FF2B5EF4-FFF2-40B4-BE49-F238E27FC236}">
+                  <a16:creationId xmlns:a16="http://schemas.microsoft.com/office/drawing/2014/main" id="{F10532C8-67F5-5F96-A53D-F1BD08EFDC8B}"/>
+                </a:ext>
+              </a:extLst>
+            </p:cNvPr>
+            <p:cNvSpPr/>
+            <p:nvPr/>
+          </p:nvSpPr>
+          <p:spPr>
+            <a:xfrm>
+              <a:off x="7847330" y="2698676"/>
+              <a:ext cx="874208" cy="220526"/>
+            </a:xfrm>
+            <a:prstGeom prst="rect">
+              <a:avLst/>
+            </a:prstGeom>
+            <a:solidFill>
+              <a:schemeClr val="accent4">
+                <a:lumMod val="20000"/>
+                <a:lumOff val="80000"/>
+              </a:schemeClr>
+            </a:solidFill>
+            <a:ln w="3175"/>
+          </p:spPr>
+          <p:style>
+            <a:lnRef idx="2">
+              <a:schemeClr val="accent1">
+                <a:shade val="15000"/>
+              </a:schemeClr>
+            </a:lnRef>
+            <a:fillRef idx="1">
+              <a:schemeClr val="accent1"/>
+            </a:fillRef>
+            <a:effectRef idx="0">
+              <a:schemeClr val="accent1"/>
+            </a:effectRef>
+            <a:fontRef idx="minor">
+              <a:schemeClr val="lt1"/>
+            </a:fontRef>
+          </p:style>
+          <p:txBody>
+            <a:bodyPr rtlCol="0" anchor="ctr"/>
+            <a:lstStyle/>
+            <a:p>
+              <a:pPr algn="ctr"/>
+              <a:r>
+                <a:rPr lang="fr-FR" sz="800" dirty="0" err="1">
+                  <a:solidFill>
+                    <a:schemeClr val="tx1"/>
+                  </a:solidFill>
+                  <a:latin typeface="Courier New" panose="02070309020205020404" pitchFamily="49" charset="0"/>
+                  <a:cs typeface="Courier New" panose="02070309020205020404" pitchFamily="49" charset="0"/>
+                </a:rPr>
+                <a:t>API+Web</a:t>
+              </a:r>
+              <a:r>
+                <a:rPr lang="fr-FR" sz="800" dirty="0">
+                  <a:solidFill>
+                    <a:schemeClr val="tx1"/>
+                  </a:solidFill>
+                  <a:latin typeface="Courier New" panose="02070309020205020404" pitchFamily="49" charset="0"/>
+                  <a:cs typeface="Courier New" panose="02070309020205020404" pitchFamily="49" charset="0"/>
+                </a:rPr>
+                <a:t> App</a:t>
+              </a:r>
+            </a:p>
+          </p:txBody>
+        </p:sp>
+        <p:sp>
+          <p:nvSpPr>
+            <p:cNvPr id="63" name="ZoneTexte 62">
+              <a:extLst>
+                <a:ext uri="{FF2B5EF4-FFF2-40B4-BE49-F238E27FC236}">
+                  <a16:creationId xmlns:a16="http://schemas.microsoft.com/office/drawing/2014/main" id="{39A85152-5F2B-F7A8-9D12-C4A32B754764}"/>
+                </a:ext>
+              </a:extLst>
+            </p:cNvPr>
+            <p:cNvSpPr txBox="1"/>
+            <p:nvPr/>
+          </p:nvSpPr>
+          <p:spPr>
+            <a:xfrm>
+              <a:off x="7847330" y="2908797"/>
+              <a:ext cx="874208" cy="215444"/>
+            </a:xfrm>
+            <a:prstGeom prst="rect">
+              <a:avLst/>
+            </a:prstGeom>
+            <a:solidFill>
+              <a:schemeClr val="accent5">
+                <a:lumMod val="20000"/>
+                <a:lumOff val="80000"/>
+              </a:schemeClr>
+            </a:solidFill>
+            <a:ln w="3175">
+              <a:solidFill>
+                <a:schemeClr val="tx1"/>
+              </a:solidFill>
+            </a:ln>
+          </p:spPr>
+          <p:txBody>
+            <a:bodyPr wrap="square" rtlCol="0" anchor="ctr">
+              <a:spAutoFit/>
+            </a:bodyPr>
+            <a:lstStyle/>
+            <a:p>
+              <a:pPr algn="ctr"/>
+              <a:r>
+                <a:rPr lang="fr-FR" sz="800" dirty="0">
+                  <a:latin typeface="Courier New" panose="02070309020205020404" pitchFamily="49" charset="0"/>
+                  <a:cs typeface="Courier New" panose="02070309020205020404" pitchFamily="49" charset="0"/>
+                </a:rPr>
+                <a:t>Flask</a:t>
+              </a:r>
+            </a:p>
+          </p:txBody>
+        </p:sp>
+      </p:grpSp>
+      <p:grpSp>
+        <p:nvGrpSpPr>
+          <p:cNvPr id="1030" name="Groupe 1029">
+            <a:extLst>
+              <a:ext uri="{FF2B5EF4-FFF2-40B4-BE49-F238E27FC236}">
+                <a16:creationId xmlns:a16="http://schemas.microsoft.com/office/drawing/2014/main" id="{0283DBA2-E154-B24E-00E4-B2111440E40D}"/>
+              </a:ext>
+            </a:extLst>
+          </p:cNvPr>
+          <p:cNvGrpSpPr/>
+          <p:nvPr/>
+        </p:nvGrpSpPr>
+        <p:grpSpPr>
+          <a:xfrm>
+            <a:off x="5674190" y="1904674"/>
+            <a:ext cx="1096351" cy="648536"/>
+            <a:chOff x="5550125" y="861609"/>
+            <a:chExt cx="1096351" cy="648536"/>
+          </a:xfrm>
+        </p:grpSpPr>
+        <p:sp>
+          <p:nvSpPr>
+            <p:cNvPr id="8" name="Rectangle 7">
+              <a:extLst>
+                <a:ext uri="{FF2B5EF4-FFF2-40B4-BE49-F238E27FC236}">
+                  <a16:creationId xmlns:a16="http://schemas.microsoft.com/office/drawing/2014/main" id="{7BD7D3CD-81D5-4848-C5A0-5012687582FD}"/>
+                </a:ext>
+              </a:extLst>
+            </p:cNvPr>
+            <p:cNvSpPr/>
+            <p:nvPr/>
+          </p:nvSpPr>
+          <p:spPr>
+            <a:xfrm>
+              <a:off x="5550125" y="1075311"/>
+              <a:ext cx="1096351" cy="220526"/>
+            </a:xfrm>
+            <a:prstGeom prst="rect">
+              <a:avLst/>
+            </a:prstGeom>
+            <a:solidFill>
+              <a:schemeClr val="accent4">
+                <a:lumMod val="20000"/>
+                <a:lumOff val="80000"/>
+              </a:schemeClr>
+            </a:solidFill>
+            <a:ln w="3175"/>
+          </p:spPr>
+          <p:style>
+            <a:lnRef idx="2">
+              <a:schemeClr val="accent1">
+                <a:shade val="15000"/>
+              </a:schemeClr>
+            </a:lnRef>
+            <a:fillRef idx="1">
+              <a:schemeClr val="accent1"/>
+            </a:fillRef>
+            <a:effectRef idx="0">
+              <a:schemeClr val="accent1"/>
+            </a:effectRef>
+            <a:fontRef idx="minor">
+              <a:schemeClr val="lt1"/>
+            </a:fontRef>
+          </p:style>
+          <p:txBody>
+            <a:bodyPr rtlCol="0" anchor="ctr"/>
+            <a:lstStyle/>
+            <a:p>
+              <a:pPr algn="ctr"/>
+              <a:r>
+                <a:rPr lang="fr-FR" sz="800" dirty="0" err="1">
+                  <a:solidFill>
+                    <a:schemeClr val="tx1"/>
+                  </a:solidFill>
+                  <a:latin typeface="Courier New" panose="02070309020205020404" pitchFamily="49" charset="0"/>
+                  <a:cs typeface="Courier New" panose="02070309020205020404" pitchFamily="49" charset="0"/>
+                </a:rPr>
+                <a:t>Heroku</a:t>
+              </a:r>
+              <a:endParaRPr lang="fr-FR" sz="800" dirty="0">
+                <a:solidFill>
+                  <a:schemeClr val="tx1"/>
+                </a:solidFill>
+                <a:latin typeface="Courier New" panose="02070309020205020404" pitchFamily="49" charset="0"/>
+                <a:cs typeface="Courier New" panose="02070309020205020404" pitchFamily="49" charset="0"/>
+              </a:endParaRPr>
+            </a:p>
+          </p:txBody>
+        </p:sp>
+        <p:sp>
+          <p:nvSpPr>
+            <p:cNvPr id="50" name="ZoneTexte 49">
+              <a:extLst>
+                <a:ext uri="{FF2B5EF4-FFF2-40B4-BE49-F238E27FC236}">
+                  <a16:creationId xmlns:a16="http://schemas.microsoft.com/office/drawing/2014/main" id="{A671C5B9-A334-3D52-FB83-E43BEEFB2500}"/>
+                </a:ext>
+              </a:extLst>
+            </p:cNvPr>
+            <p:cNvSpPr txBox="1"/>
+            <p:nvPr/>
+          </p:nvSpPr>
+          <p:spPr>
+            <a:xfrm>
+              <a:off x="5550125" y="1294701"/>
+              <a:ext cx="1096351" cy="215444"/>
+            </a:xfrm>
+            <a:prstGeom prst="rect">
+              <a:avLst/>
+            </a:prstGeom>
+            <a:solidFill>
+              <a:schemeClr val="accent5">
+                <a:lumMod val="20000"/>
+                <a:lumOff val="80000"/>
+              </a:schemeClr>
+            </a:solidFill>
+            <a:ln w="3175">
+              <a:solidFill>
+                <a:schemeClr val="tx1"/>
+              </a:solidFill>
+            </a:ln>
+          </p:spPr>
+          <p:txBody>
+            <a:bodyPr wrap="square" rtlCol="0">
+              <a:spAutoFit/>
+            </a:bodyPr>
+            <a:lstStyle/>
+            <a:p>
+              <a:r>
+                <a:rPr lang="fr-FR" sz="800" dirty="0" err="1">
+                  <a:latin typeface="Courier New" panose="02070309020205020404" pitchFamily="49" charset="0"/>
+                  <a:cs typeface="Courier New" panose="02070309020205020404" pitchFamily="49" charset="0"/>
+                </a:rPr>
+                <a:t>MLFlow</a:t>
+              </a:r>
+              <a:r>
+                <a:rPr lang="fr-FR" sz="800" dirty="0">
+                  <a:latin typeface="Courier New" panose="02070309020205020404" pitchFamily="49" charset="0"/>
+                  <a:cs typeface="Courier New" panose="02070309020205020404" pitchFamily="49" charset="0"/>
+                </a:rPr>
+                <a:t> </a:t>
+              </a:r>
+              <a:r>
+                <a:rPr lang="fr-FR" sz="800" dirty="0" err="1">
+                  <a:latin typeface="Courier New" panose="02070309020205020404" pitchFamily="49" charset="0"/>
+                  <a:cs typeface="Courier New" panose="02070309020205020404" pitchFamily="49" charset="0"/>
+                </a:rPr>
+                <a:t>tracking</a:t>
+              </a:r>
+              <a:endParaRPr lang="fr-FR" sz="800" dirty="0">
+                <a:latin typeface="Courier New" panose="02070309020205020404" pitchFamily="49" charset="0"/>
+                <a:cs typeface="Courier New" panose="02070309020205020404" pitchFamily="49" charset="0"/>
+              </a:endParaRPr>
+            </a:p>
+          </p:txBody>
+        </p:sp>
+        <p:sp>
+          <p:nvSpPr>
+            <p:cNvPr id="61" name="ZoneTexte 60">
+              <a:extLst>
+                <a:ext uri="{FF2B5EF4-FFF2-40B4-BE49-F238E27FC236}">
+                  <a16:creationId xmlns:a16="http://schemas.microsoft.com/office/drawing/2014/main" id="{0C67B44A-0F47-AFCD-9934-9CBFA7BCD508}"/>
+                </a:ext>
+              </a:extLst>
+            </p:cNvPr>
+            <p:cNvSpPr txBox="1"/>
+            <p:nvPr/>
+          </p:nvSpPr>
+          <p:spPr>
+            <a:xfrm>
+              <a:off x="5550125" y="861609"/>
+              <a:ext cx="1096351" cy="215444"/>
+            </a:xfrm>
+            <a:prstGeom prst="rect">
+              <a:avLst/>
+            </a:prstGeom>
+            <a:solidFill>
+              <a:schemeClr val="accent2">
+                <a:lumMod val="20000"/>
+                <a:lumOff val="80000"/>
+              </a:schemeClr>
+            </a:solidFill>
+            <a:ln w="3175">
+              <a:solidFill>
+                <a:schemeClr val="tx1"/>
+              </a:solidFill>
+            </a:ln>
+          </p:spPr>
+          <p:txBody>
+            <a:bodyPr wrap="square" rtlCol="0" anchor="ctr">
+              <a:spAutoFit/>
+            </a:bodyPr>
+            <a:lstStyle>
+              <a:defPPr marR="0" lvl="0" algn="l" rtl="0">
+                <a:lnSpc>
+                  <a:spcPct val="100000"/>
+                </a:lnSpc>
+                <a:spcBef>
+                  <a:spcPts val="0"/>
+                </a:spcBef>
+                <a:spcAft>
+                  <a:spcPts val="0"/>
+                </a:spcAft>
+                <a:defRPr/>
+              </a:defPPr>
+              <a:lvl1pPr algn="ctr">
+                <a:defRPr sz="675">
+                  <a:latin typeface="Courier New" panose="02070309020205020404" pitchFamily="49" charset="0"/>
+                  <a:cs typeface="Courier New" panose="02070309020205020404" pitchFamily="49" charset="0"/>
+                </a:defRPr>
+              </a:lvl1pPr>
+            </a:lstStyle>
+            <a:p>
+              <a:r>
+                <a:rPr lang="fr-FR" sz="800" dirty="0" err="1"/>
+                <a:t>Tracking</a:t>
+              </a:r>
+              <a:endParaRPr lang="fr-FR" sz="800" dirty="0"/>
+            </a:p>
+          </p:txBody>
+        </p:sp>
+      </p:grpSp>
+      <p:cxnSp>
+        <p:nvCxnSpPr>
+          <p:cNvPr id="1032" name="Connecteur droit avec flèche 1031">
+            <a:extLst>
+              <a:ext uri="{FF2B5EF4-FFF2-40B4-BE49-F238E27FC236}">
+                <a16:creationId xmlns:a16="http://schemas.microsoft.com/office/drawing/2014/main" id="{6DEDE52E-6D8A-A403-BA05-57BC07F03271}"/>
+              </a:ext>
+            </a:extLst>
+          </p:cNvPr>
+          <p:cNvCxnSpPr>
+            <a:cxnSpLocks/>
+            <a:stCxn id="47" idx="3"/>
+          </p:cNvCxnSpPr>
+          <p:nvPr/>
+        </p:nvCxnSpPr>
+        <p:spPr>
+          <a:xfrm>
+            <a:off x="814597" y="2948139"/>
+            <a:ext cx="846859" cy="4772"/>
+          </a:xfrm>
+          <a:prstGeom prst="straightConnector1">
+            <a:avLst/>
+          </a:prstGeom>
+          <a:ln w="57150">
+            <a:headEnd type="none"/>
+            <a:tailEnd type="triangle"/>
+          </a:ln>
+        </p:spPr>
+        <p:style>
+          <a:lnRef idx="1">
+            <a:schemeClr val="accent1"/>
+          </a:lnRef>
+          <a:fillRef idx="0">
+            <a:schemeClr val="accent1"/>
+          </a:fillRef>
+          <a:effectRef idx="0">
+            <a:schemeClr val="accent1"/>
+          </a:effectRef>
+          <a:fontRef idx="minor">
+            <a:schemeClr val="tx1"/>
+          </a:fontRef>
+        </p:style>
+      </p:cxnSp>
+      <p:pic>
+        <p:nvPicPr>
+          <p:cNvPr id="1056" name="Image 1055">
+            <a:extLst>
+              <a:ext uri="{FF2B5EF4-FFF2-40B4-BE49-F238E27FC236}">
+                <a16:creationId xmlns:a16="http://schemas.microsoft.com/office/drawing/2014/main" id="{FD93E48A-D1E5-FD02-1902-875615C41779}"/>
+              </a:ext>
+            </a:extLst>
+          </p:cNvPr>
+          <p:cNvPicPr>
+            <a:picLocks noChangeAspect="1"/>
+          </p:cNvPicPr>
+          <p:nvPr/>
+        </p:nvPicPr>
+        <p:blipFill>
+          <a:blip r:embed="rId15"/>
+          <a:stretch>
+            <a:fillRect/>
+          </a:stretch>
+        </p:blipFill>
+        <p:spPr>
+          <a:xfrm>
+            <a:off x="3861014" y="1913668"/>
+            <a:ext cx="771946" cy="771946"/>
+          </a:xfrm>
+          <a:prstGeom prst="rect">
+            <a:avLst/>
+          </a:prstGeom>
+        </p:spPr>
+      </p:pic>
+      <p:sp>
+        <p:nvSpPr>
+          <p:cNvPr id="14" name="ZoneTexte 13">
+            <a:extLst>
+              <a:ext uri="{FF2B5EF4-FFF2-40B4-BE49-F238E27FC236}">
+                <a16:creationId xmlns:a16="http://schemas.microsoft.com/office/drawing/2014/main" id="{EC3BE5EB-C72D-BB87-03A1-27B48EEC3965}"/>
+              </a:ext>
+            </a:extLst>
+          </p:cNvPr>
+          <p:cNvSpPr txBox="1"/>
+          <p:nvPr/>
+        </p:nvSpPr>
+        <p:spPr>
+          <a:xfrm>
+            <a:off x="7811770" y="2090576"/>
+            <a:ext cx="874208" cy="215444"/>
+          </a:xfrm>
+          <a:prstGeom prst="rect">
+            <a:avLst/>
+          </a:prstGeom>
+          <a:solidFill>
+            <a:schemeClr val="accent2">
+              <a:lumMod val="20000"/>
+              <a:lumOff val="80000"/>
+            </a:schemeClr>
+          </a:solidFill>
+          <a:ln w="3175">
+            <a:solidFill>
+              <a:schemeClr val="tx1"/>
+            </a:solidFill>
+          </a:ln>
+        </p:spPr>
+        <p:txBody>
+          <a:bodyPr wrap="square" rtlCol="0" anchor="ctr">
+            <a:spAutoFit/>
+          </a:bodyPr>
+          <a:lstStyle>
+            <a:defPPr marR="0" lvl="0" algn="l" rtl="0">
+              <a:lnSpc>
+                <a:spcPct val="100000"/>
+              </a:lnSpc>
+              <a:spcBef>
+                <a:spcPts val="0"/>
+              </a:spcBef>
+              <a:spcAft>
+                <a:spcPts val="0"/>
+              </a:spcAft>
+            </a:defPPr>
+            <a:lvl1pPr algn="ctr">
+              <a:defRPr sz="675">
+                <a:latin typeface="Courier New" panose="02070309020205020404" pitchFamily="49" charset="0"/>
+                <a:cs typeface="Courier New" panose="02070309020205020404" pitchFamily="49" charset="0"/>
+              </a:defRPr>
+            </a:lvl1pPr>
+          </a:lstStyle>
+          <a:p>
+            <a:r>
+              <a:rPr lang="fr-FR" sz="800" dirty="0" err="1"/>
+              <a:t>Consuming</a:t>
+            </a:r>
+            <a:endParaRPr lang="fr-FR" sz="800" dirty="0"/>
+          </a:p>
+        </p:txBody>
+      </p:sp>
+      <p:pic>
+        <p:nvPicPr>
+          <p:cNvPr id="16" name="Graphique 15" descr="Nuage avec un remplissage uni">
+            <a:extLst>
+              <a:ext uri="{FF2B5EF4-FFF2-40B4-BE49-F238E27FC236}">
+                <a16:creationId xmlns:a16="http://schemas.microsoft.com/office/drawing/2014/main" id="{62ED3F04-1018-2948-F086-DDBA0B2AB2A7}"/>
+              </a:ext>
+            </a:extLst>
+          </p:cNvPr>
+          <p:cNvPicPr>
+            <a:picLocks noChangeAspect="1"/>
+          </p:cNvPicPr>
+          <p:nvPr/>
+        </p:nvPicPr>
+        <p:blipFill>
+          <a:blip r:embed="rId9">
+            <a:extLst>
+              <a:ext uri="{96DAC541-7B7A-43D3-8B79-37D633B846F1}">
+                <asvg:svgBlip xmlns:asvg="http://schemas.microsoft.com/office/drawing/2016/SVG/main" r:embed="rId10"/>
+              </a:ext>
+            </a:extLst>
+          </a:blip>
+          <a:stretch>
+            <a:fillRect/>
+          </a:stretch>
+        </p:blipFill>
+        <p:spPr>
+          <a:xfrm>
+            <a:off x="5903708" y="2572166"/>
+            <a:ext cx="664963" cy="664963"/>
+          </a:xfrm>
+          <a:prstGeom prst="rect">
+            <a:avLst/>
+          </a:prstGeom>
+        </p:spPr>
+      </p:pic>
+    </p:spTree>
+    <p:extLst>
+      <p:ext uri="{BB962C8B-B14F-4D97-AF65-F5344CB8AC3E}">
+        <p14:creationId xmlns:p14="http://schemas.microsoft.com/office/powerpoint/2010/main" val="1373769093"/>
+      </p:ext>
+    </p:extLst>
+  </p:cSld>
+  <p:clrMapOvr>
+    <a:masterClrMapping/>
+  </p:clrMapOvr>
+  <p:timing>
+    <p:tnLst>
+      <p:par>
+        <p:cTn id="1" dur="indefinite" restart="never" nodeType="tmRoot">
+          <p:childTnLst>
+            <p:seq concurrent="1" nextAc="seek">
+              <p:cTn id="2" dur="indefinite" nodeType="mainSeq">
+                <p:childTnLst>
+                  <p:par>
+                    <p:cTn id="3" fill="hold">
+                      <p:stCondLst>
+                        <p:cond delay="indefinite"/>
+                      </p:stCondLst>
+                      <p:childTnLst>
+                        <p:par>
+                          <p:cTn id="4" fill="hold">
+                            <p:stCondLst>
+                              <p:cond delay="0"/>
+                            </p:stCondLst>
+                            <p:childTnLst>
+                              <p:par>
+                                <p:cTn id="5" presetID="1" presetClass="entr" presetSubtype="0" fill="hold" nodeType="clickEffect">
+                                  <p:stCondLst>
+                                    <p:cond delay="0"/>
+                                  </p:stCondLst>
+                                  <p:childTnLst>
+                                    <p:set>
+                                      <p:cBhvr>
+                                        <p:cTn id="6" dur="1" fill="hold">
+                                          <p:stCondLst>
+                                            <p:cond delay="0"/>
+                                          </p:stCondLst>
+                                        </p:cTn>
+                                        <p:tgtEl>
+                                          <p:spTgt spid="60"/>
+                                        </p:tgtEl>
+                                        <p:attrNameLst>
+                                          <p:attrName>style.visibility</p:attrName>
+                                        </p:attrNameLst>
+                                      </p:cBhvr>
+                                      <p:to>
+                                        <p:strVal val="visible"/>
+                                      </p:to>
+                                    </p:set>
+                                  </p:childTnLst>
+                                </p:cTn>
+                              </p:par>
+                            </p:childTnLst>
+                          </p:cTn>
+                        </p:par>
+                        <p:par>
+                          <p:cTn id="7" fill="hold">
+                            <p:stCondLst>
+                              <p:cond delay="0"/>
+                            </p:stCondLst>
+                            <p:childTnLst>
+                              <p:par>
+                                <p:cTn id="8" presetID="1" presetClass="entr" presetSubtype="0" fill="hold" nodeType="afterEffect">
+                                  <p:stCondLst>
+                                    <p:cond delay="1000"/>
+                                  </p:stCondLst>
+                                  <p:childTnLst>
+                                    <p:set>
+                                      <p:cBhvr>
+                                        <p:cTn id="9" dur="1" fill="hold">
+                                          <p:stCondLst>
+                                            <p:cond delay="0"/>
+                                          </p:stCondLst>
+                                        </p:cTn>
+                                        <p:tgtEl>
+                                          <p:spTgt spid="33"/>
+                                        </p:tgtEl>
+                                        <p:attrNameLst>
+                                          <p:attrName>style.visibility</p:attrName>
+                                        </p:attrNameLst>
+                                      </p:cBhvr>
+                                      <p:to>
+                                        <p:strVal val="visible"/>
+                                      </p:to>
+                                    </p:set>
+                                  </p:childTnLst>
+                                </p:cTn>
+                              </p:par>
+                            </p:childTnLst>
+                          </p:cTn>
+                        </p:par>
+                        <p:par>
+                          <p:cTn id="10" fill="hold">
+                            <p:stCondLst>
+                              <p:cond delay="1000"/>
+                            </p:stCondLst>
+                            <p:childTnLst>
+                              <p:par>
+                                <p:cTn id="11" presetID="1" presetClass="entr" presetSubtype="0" fill="hold" grpId="0" nodeType="afterEffect">
+                                  <p:stCondLst>
+                                    <p:cond delay="1000"/>
+                                  </p:stCondLst>
+                                  <p:childTnLst>
+                                    <p:set>
+                                      <p:cBhvr>
+                                        <p:cTn id="12" dur="1" fill="hold">
+                                          <p:stCondLst>
+                                            <p:cond delay="0"/>
+                                          </p:stCondLst>
+                                        </p:cTn>
+                                        <p:tgtEl>
+                                          <p:spTgt spid="14"/>
+                                        </p:tgtEl>
+                                        <p:attrNameLst>
+                                          <p:attrName>style.visibility</p:attrName>
+                                        </p:attrNameLst>
+                                      </p:cBhvr>
+                                      <p:to>
+                                        <p:strVal val="visible"/>
+                                      </p:to>
+                                    </p:set>
+                                  </p:childTnLst>
+                                </p:cTn>
+                              </p:par>
+                            </p:childTnLst>
+                          </p:cTn>
+                        </p:par>
+                        <p:par>
+                          <p:cTn id="13" fill="hold">
+                            <p:stCondLst>
+                              <p:cond delay="2000"/>
+                            </p:stCondLst>
+                            <p:childTnLst>
+                              <p:par>
+                                <p:cTn id="14" presetID="22" presetClass="entr" presetSubtype="2" fill="hold" nodeType="afterEffect">
+                                  <p:stCondLst>
+                                    <p:cond delay="1000"/>
+                                  </p:stCondLst>
+                                  <p:childTnLst>
+                                    <p:set>
+                                      <p:cBhvr>
+                                        <p:cTn id="15" dur="1" fill="hold">
+                                          <p:stCondLst>
+                                            <p:cond delay="0"/>
+                                          </p:stCondLst>
+                                        </p:cTn>
+                                        <p:tgtEl>
+                                          <p:spTgt spid="38"/>
+                                        </p:tgtEl>
+                                        <p:attrNameLst>
+                                          <p:attrName>style.visibility</p:attrName>
+                                        </p:attrNameLst>
+                                      </p:cBhvr>
+                                      <p:to>
+                                        <p:strVal val="visible"/>
+                                      </p:to>
+                                    </p:set>
+                                    <p:animEffect transition="in" filter="wipe(right)">
+                                      <p:cBhvr>
+                                        <p:cTn id="16" dur="500"/>
+                                        <p:tgtEl>
+                                          <p:spTgt spid="38"/>
+                                        </p:tgtEl>
+                                      </p:cBhvr>
+                                    </p:animEffect>
+                                  </p:childTnLst>
+                                </p:cTn>
+                              </p:par>
+                            </p:childTnLst>
+                          </p:cTn>
+                        </p:par>
+                        <p:par>
+                          <p:cTn id="17" fill="hold">
+                            <p:stCondLst>
+                              <p:cond delay="3500"/>
+                            </p:stCondLst>
+                            <p:childTnLst>
+                              <p:par>
+                                <p:cTn id="18" presetID="1" presetClass="entr" presetSubtype="0" fill="hold" nodeType="afterEffect">
+                                  <p:stCondLst>
+                                    <p:cond delay="1000"/>
+                                  </p:stCondLst>
+                                  <p:childTnLst>
+                                    <p:set>
+                                      <p:cBhvr>
+                                        <p:cTn id="19" dur="1" fill="hold">
+                                          <p:stCondLst>
+                                            <p:cond delay="0"/>
+                                          </p:stCondLst>
+                                        </p:cTn>
+                                        <p:tgtEl>
+                                          <p:spTgt spid="16"/>
+                                        </p:tgtEl>
+                                        <p:attrNameLst>
+                                          <p:attrName>style.visibility</p:attrName>
+                                        </p:attrNameLst>
+                                      </p:cBhvr>
+                                      <p:to>
+                                        <p:strVal val="visible"/>
+                                      </p:to>
+                                    </p:set>
+                                  </p:childTnLst>
+                                </p:cTn>
+                              </p:par>
+                            </p:childTnLst>
+                          </p:cTn>
+                        </p:par>
+                      </p:childTnLst>
+                    </p:cTn>
+                  </p:par>
+                  <p:par>
+                    <p:cTn id="20" fill="hold">
+                      <p:stCondLst>
+                        <p:cond delay="indefinite"/>
+                      </p:stCondLst>
+                      <p:childTnLst>
+                        <p:par>
+                          <p:cTn id="21" fill="hold">
+                            <p:stCondLst>
+                              <p:cond delay="0"/>
+                            </p:stCondLst>
+                            <p:childTnLst>
+                              <p:par>
+                                <p:cTn id="22" presetID="10" presetClass="exit" presetSubtype="0" fill="hold" nodeType="clickEffect">
+                                  <p:stCondLst>
+                                    <p:cond delay="0"/>
+                                  </p:stCondLst>
+                                  <p:childTnLst>
+                                    <p:animEffect transition="out" filter="fade">
+                                      <p:cBhvr>
+                                        <p:cTn id="23" dur="500"/>
+                                        <p:tgtEl>
+                                          <p:spTgt spid="16"/>
+                                        </p:tgtEl>
+                                      </p:cBhvr>
+                                    </p:animEffect>
+                                    <p:set>
+                                      <p:cBhvr>
+                                        <p:cTn id="24" dur="1" fill="hold">
+                                          <p:stCondLst>
+                                            <p:cond delay="499"/>
+                                          </p:stCondLst>
+                                        </p:cTn>
+                                        <p:tgtEl>
+                                          <p:spTgt spid="16"/>
+                                        </p:tgtEl>
+                                        <p:attrNameLst>
+                                          <p:attrName>style.visibility</p:attrName>
+                                        </p:attrNameLst>
+                                      </p:cBhvr>
+                                      <p:to>
+                                        <p:strVal val="hidden"/>
+                                      </p:to>
+                                    </p:set>
+                                  </p:childTnLst>
+                                </p:cTn>
+                              </p:par>
+                              <p:par>
+                                <p:cTn id="25" presetID="10" presetClass="entr" presetSubtype="0" fill="hold" nodeType="withEffect">
+                                  <p:stCondLst>
+                                    <p:cond delay="0"/>
+                                  </p:stCondLst>
+                                  <p:childTnLst>
+                                    <p:set>
+                                      <p:cBhvr>
+                                        <p:cTn id="26" dur="1" fill="hold">
+                                          <p:stCondLst>
+                                            <p:cond delay="0"/>
+                                          </p:stCondLst>
+                                        </p:cTn>
+                                        <p:tgtEl>
+                                          <p:spTgt spid="9"/>
+                                        </p:tgtEl>
+                                        <p:attrNameLst>
+                                          <p:attrName>style.visibility</p:attrName>
+                                        </p:attrNameLst>
+                                      </p:cBhvr>
+                                      <p:to>
+                                        <p:strVal val="visible"/>
+                                      </p:to>
+                                    </p:set>
+                                    <p:animEffect transition="in" filter="fade">
+                                      <p:cBhvr>
+                                        <p:cTn id="27" dur="500"/>
+                                        <p:tgtEl>
+                                          <p:spTgt spid="9"/>
+                                        </p:tgtEl>
+                                      </p:cBhvr>
+                                    </p:animEffect>
+                                  </p:childTnLst>
+                                </p:cTn>
+                              </p:par>
+                            </p:childTnLst>
+                          </p:cTn>
+                        </p:par>
+                      </p:childTnLst>
+                    </p:cTn>
+                  </p:par>
+                  <p:par>
+                    <p:cTn id="28" fill="hold">
+                      <p:stCondLst>
+                        <p:cond delay="indefinite"/>
+                      </p:stCondLst>
+                      <p:childTnLst>
+                        <p:par>
+                          <p:cTn id="29" fill="hold">
+                            <p:stCondLst>
+                              <p:cond delay="0"/>
+                            </p:stCondLst>
+                            <p:childTnLst>
+                              <p:par>
+                                <p:cTn id="30" presetID="1" presetClass="entr" presetSubtype="0" fill="hold" nodeType="clickEffect">
+                                  <p:stCondLst>
+                                    <p:cond delay="0"/>
+                                  </p:stCondLst>
+                                  <p:childTnLst>
+                                    <p:set>
+                                      <p:cBhvr>
+                                        <p:cTn id="31" dur="1" fill="hold">
+                                          <p:stCondLst>
+                                            <p:cond delay="0"/>
+                                          </p:stCondLst>
+                                        </p:cTn>
+                                        <p:tgtEl>
+                                          <p:spTgt spid="47"/>
+                                        </p:tgtEl>
+                                        <p:attrNameLst>
+                                          <p:attrName>style.visibility</p:attrName>
+                                        </p:attrNameLst>
+                                      </p:cBhvr>
+                                      <p:to>
+                                        <p:strVal val="visible"/>
+                                      </p:to>
+                                    </p:set>
+                                  </p:childTnLst>
+                                </p:cTn>
+                              </p:par>
+                              <p:par>
+                                <p:cTn id="32" presetID="1" presetClass="entr" presetSubtype="0" fill="hold" grpId="0" nodeType="withEffect">
+                                  <p:stCondLst>
+                                    <p:cond delay="0"/>
+                                  </p:stCondLst>
+                                  <p:childTnLst>
+                                    <p:set>
+                                      <p:cBhvr>
+                                        <p:cTn id="33" dur="1" fill="hold">
+                                          <p:stCondLst>
+                                            <p:cond delay="0"/>
+                                          </p:stCondLst>
+                                        </p:cTn>
+                                        <p:tgtEl>
+                                          <p:spTgt spid="17"/>
+                                        </p:tgtEl>
+                                        <p:attrNameLst>
+                                          <p:attrName>style.visibility</p:attrName>
+                                        </p:attrNameLst>
+                                      </p:cBhvr>
+                                      <p:to>
+                                        <p:strVal val="visible"/>
+                                      </p:to>
+                                    </p:set>
+                                  </p:childTnLst>
+                                </p:cTn>
+                              </p:par>
+                              <p:par>
+                                <p:cTn id="34" presetID="22" presetClass="entr" presetSubtype="8" fill="hold" nodeType="withEffect">
+                                  <p:stCondLst>
+                                    <p:cond delay="1000"/>
+                                  </p:stCondLst>
+                                  <p:childTnLst>
+                                    <p:set>
+                                      <p:cBhvr>
+                                        <p:cTn id="35" dur="1" fill="hold">
+                                          <p:stCondLst>
+                                            <p:cond delay="0"/>
+                                          </p:stCondLst>
+                                        </p:cTn>
+                                        <p:tgtEl>
+                                          <p:spTgt spid="1032"/>
+                                        </p:tgtEl>
+                                        <p:attrNameLst>
+                                          <p:attrName>style.visibility</p:attrName>
+                                        </p:attrNameLst>
+                                      </p:cBhvr>
+                                      <p:to>
+                                        <p:strVal val="visible"/>
+                                      </p:to>
+                                    </p:set>
+                                    <p:animEffect transition="in" filter="wipe(left)">
+                                      <p:cBhvr>
+                                        <p:cTn id="36" dur="500"/>
+                                        <p:tgtEl>
+                                          <p:spTgt spid="1032"/>
+                                        </p:tgtEl>
+                                      </p:cBhvr>
+                                    </p:animEffect>
+                                  </p:childTnLst>
+                                </p:cTn>
+                              </p:par>
+                            </p:childTnLst>
+                          </p:cTn>
+                        </p:par>
+                        <p:par>
+                          <p:cTn id="37" fill="hold">
+                            <p:stCondLst>
+                              <p:cond delay="1500"/>
+                            </p:stCondLst>
+                            <p:childTnLst>
+                              <p:par>
+                                <p:cTn id="38" presetID="1" presetClass="entr" presetSubtype="0" fill="hold" nodeType="afterEffect">
+                                  <p:stCondLst>
+                                    <p:cond delay="1000"/>
+                                  </p:stCondLst>
+                                  <p:childTnLst>
+                                    <p:set>
+                                      <p:cBhvr>
+                                        <p:cTn id="39" dur="1" fill="hold">
+                                          <p:stCondLst>
+                                            <p:cond delay="0"/>
+                                          </p:stCondLst>
+                                        </p:cTn>
+                                        <p:tgtEl>
+                                          <p:spTgt spid="6"/>
+                                        </p:tgtEl>
+                                        <p:attrNameLst>
+                                          <p:attrName>style.visibility</p:attrName>
+                                        </p:attrNameLst>
+                                      </p:cBhvr>
+                                      <p:to>
+                                        <p:strVal val="visible"/>
+                                      </p:to>
+                                    </p:set>
+                                  </p:childTnLst>
+                                </p:cTn>
+                              </p:par>
+                            </p:childTnLst>
+                          </p:cTn>
+                        </p:par>
+                        <p:par>
+                          <p:cTn id="40" fill="hold">
+                            <p:stCondLst>
+                              <p:cond delay="2500"/>
+                            </p:stCondLst>
+                            <p:childTnLst>
+                              <p:par>
+                                <p:cTn id="41" presetID="22" presetClass="entr" presetSubtype="8" fill="hold" nodeType="afterEffect">
+                                  <p:stCondLst>
+                                    <p:cond delay="1000"/>
+                                  </p:stCondLst>
+                                  <p:childTnLst>
+                                    <p:set>
+                                      <p:cBhvr>
+                                        <p:cTn id="42" dur="1" fill="hold">
+                                          <p:stCondLst>
+                                            <p:cond delay="0"/>
+                                          </p:stCondLst>
+                                        </p:cTn>
+                                        <p:tgtEl>
+                                          <p:spTgt spid="21"/>
+                                        </p:tgtEl>
+                                        <p:attrNameLst>
+                                          <p:attrName>style.visibility</p:attrName>
+                                        </p:attrNameLst>
+                                      </p:cBhvr>
+                                      <p:to>
+                                        <p:strVal val="visible"/>
+                                      </p:to>
+                                    </p:set>
+                                    <p:animEffect transition="in" filter="wipe(left)">
+                                      <p:cBhvr>
+                                        <p:cTn id="43" dur="500"/>
+                                        <p:tgtEl>
+                                          <p:spTgt spid="21"/>
+                                        </p:tgtEl>
+                                      </p:cBhvr>
+                                    </p:animEffect>
+                                  </p:childTnLst>
+                                </p:cTn>
+                              </p:par>
+                            </p:childTnLst>
+                          </p:cTn>
+                        </p:par>
+                        <p:par>
+                          <p:cTn id="44" fill="hold">
+                            <p:stCondLst>
+                              <p:cond delay="4000"/>
+                            </p:stCondLst>
+                            <p:childTnLst>
+                              <p:par>
+                                <p:cTn id="45" presetID="1" presetClass="entr" presetSubtype="0" fill="hold" grpId="0" nodeType="afterEffect">
+                                  <p:stCondLst>
+                                    <p:cond delay="1000"/>
+                                  </p:stCondLst>
+                                  <p:childTnLst>
+                                    <p:set>
+                                      <p:cBhvr>
+                                        <p:cTn id="46" dur="1" fill="hold">
+                                          <p:stCondLst>
+                                            <p:cond delay="0"/>
+                                          </p:stCondLst>
+                                        </p:cTn>
+                                        <p:tgtEl>
+                                          <p:spTgt spid="37"/>
+                                        </p:tgtEl>
+                                        <p:attrNameLst>
+                                          <p:attrName>style.visibility</p:attrName>
+                                        </p:attrNameLst>
+                                      </p:cBhvr>
+                                      <p:to>
+                                        <p:strVal val="visible"/>
+                                      </p:to>
+                                    </p:set>
+                                  </p:childTnLst>
+                                </p:cTn>
+                              </p:par>
+                              <p:par>
+                                <p:cTn id="47" presetID="1" presetClass="entr" presetSubtype="0" fill="hold" nodeType="withEffect">
+                                  <p:stCondLst>
+                                    <p:cond delay="1000"/>
+                                  </p:stCondLst>
+                                  <p:childTnLst>
+                                    <p:set>
+                                      <p:cBhvr>
+                                        <p:cTn id="48" dur="1" fill="hold">
+                                          <p:stCondLst>
+                                            <p:cond delay="0"/>
+                                          </p:stCondLst>
+                                        </p:cTn>
+                                        <p:tgtEl>
+                                          <p:spTgt spid="5"/>
+                                        </p:tgtEl>
+                                        <p:attrNameLst>
+                                          <p:attrName>style.visibility</p:attrName>
+                                        </p:attrNameLst>
+                                      </p:cBhvr>
+                                      <p:to>
+                                        <p:strVal val="visible"/>
+                                      </p:to>
+                                    </p:set>
+                                  </p:childTnLst>
+                                </p:cTn>
+                              </p:par>
+                              <p:par>
+                                <p:cTn id="49" presetID="1" presetClass="entr" presetSubtype="0" fill="hold" nodeType="withEffect">
+                                  <p:stCondLst>
+                                    <p:cond delay="1000"/>
+                                  </p:stCondLst>
+                                  <p:childTnLst>
+                                    <p:set>
+                                      <p:cBhvr>
+                                        <p:cTn id="50" dur="1" fill="hold">
+                                          <p:stCondLst>
+                                            <p:cond delay="0"/>
+                                          </p:stCondLst>
+                                        </p:cTn>
+                                        <p:tgtEl>
+                                          <p:spTgt spid="1026"/>
+                                        </p:tgtEl>
+                                        <p:attrNameLst>
+                                          <p:attrName>style.visibility</p:attrName>
+                                        </p:attrNameLst>
+                                      </p:cBhvr>
+                                      <p:to>
+                                        <p:strVal val="visible"/>
+                                      </p:to>
+                                    </p:set>
+                                  </p:childTnLst>
+                                </p:cTn>
+                              </p:par>
+                              <p:par>
+                                <p:cTn id="51" presetID="1" presetClass="entr" presetSubtype="0" fill="hold" nodeType="withEffect">
+                                  <p:stCondLst>
+                                    <p:cond delay="1000"/>
+                                  </p:stCondLst>
+                                  <p:childTnLst>
+                                    <p:set>
+                                      <p:cBhvr>
+                                        <p:cTn id="52" dur="1" fill="hold">
+                                          <p:stCondLst>
+                                            <p:cond delay="0"/>
+                                          </p:stCondLst>
+                                        </p:cTn>
+                                        <p:tgtEl>
+                                          <p:spTgt spid="1056"/>
+                                        </p:tgtEl>
+                                        <p:attrNameLst>
+                                          <p:attrName>style.visibility</p:attrName>
+                                        </p:attrNameLst>
+                                      </p:cBhvr>
+                                      <p:to>
+                                        <p:strVal val="visible"/>
+                                      </p:to>
+                                    </p:set>
+                                  </p:childTnLst>
+                                </p:cTn>
+                              </p:par>
+                            </p:childTnLst>
+                          </p:cTn>
+                        </p:par>
+                        <p:par>
+                          <p:cTn id="53" fill="hold">
+                            <p:stCondLst>
+                              <p:cond delay="5000"/>
+                            </p:stCondLst>
+                            <p:childTnLst>
+                              <p:par>
+                                <p:cTn id="54" presetID="22" presetClass="entr" presetSubtype="8" fill="hold" nodeType="afterEffect">
+                                  <p:stCondLst>
+                                    <p:cond delay="1000"/>
+                                  </p:stCondLst>
+                                  <p:childTnLst>
+                                    <p:set>
+                                      <p:cBhvr>
+                                        <p:cTn id="55" dur="1" fill="hold">
+                                          <p:stCondLst>
+                                            <p:cond delay="0"/>
+                                          </p:stCondLst>
+                                        </p:cTn>
+                                        <p:tgtEl>
+                                          <p:spTgt spid="23"/>
+                                        </p:tgtEl>
+                                        <p:attrNameLst>
+                                          <p:attrName>style.visibility</p:attrName>
+                                        </p:attrNameLst>
+                                      </p:cBhvr>
+                                      <p:to>
+                                        <p:strVal val="visible"/>
+                                      </p:to>
+                                    </p:set>
+                                    <p:animEffect transition="in" filter="wipe(left)">
+                                      <p:cBhvr>
+                                        <p:cTn id="56" dur="500"/>
+                                        <p:tgtEl>
+                                          <p:spTgt spid="23"/>
+                                        </p:tgtEl>
+                                      </p:cBhvr>
+                                    </p:animEffect>
+                                  </p:childTnLst>
+                                </p:cTn>
+                              </p:par>
+                            </p:childTnLst>
+                          </p:cTn>
+                        </p:par>
+                      </p:childTnLst>
+                    </p:cTn>
+                  </p:par>
+                  <p:par>
+                    <p:cTn id="57" fill="hold">
+                      <p:stCondLst>
+                        <p:cond delay="indefinite"/>
+                      </p:stCondLst>
+                      <p:childTnLst>
+                        <p:par>
+                          <p:cTn id="58" fill="hold">
+                            <p:stCondLst>
+                              <p:cond delay="0"/>
+                            </p:stCondLst>
+                            <p:childTnLst>
+                              <p:par>
+                                <p:cTn id="59" presetID="22" presetClass="entr" presetSubtype="1" fill="hold" nodeType="clickEffect">
+                                  <p:stCondLst>
+                                    <p:cond delay="0"/>
+                                  </p:stCondLst>
+                                  <p:childTnLst>
+                                    <p:set>
+                                      <p:cBhvr>
+                                        <p:cTn id="60" dur="1" fill="hold">
+                                          <p:stCondLst>
+                                            <p:cond delay="0"/>
+                                          </p:stCondLst>
+                                        </p:cTn>
+                                        <p:tgtEl>
+                                          <p:spTgt spid="27"/>
+                                        </p:tgtEl>
+                                        <p:attrNameLst>
+                                          <p:attrName>style.visibility</p:attrName>
+                                        </p:attrNameLst>
+                                      </p:cBhvr>
+                                      <p:to>
+                                        <p:strVal val="visible"/>
+                                      </p:to>
+                                    </p:set>
+                                    <p:animEffect transition="in" filter="wipe(up)">
+                                      <p:cBhvr>
+                                        <p:cTn id="61" dur="500"/>
+                                        <p:tgtEl>
+                                          <p:spTgt spid="27"/>
+                                        </p:tgtEl>
+                                      </p:cBhvr>
+                                    </p:animEffect>
+                                  </p:childTnLst>
+                                </p:cTn>
+                              </p:par>
+                            </p:childTnLst>
+                          </p:cTn>
+                        </p:par>
+                        <p:par>
+                          <p:cTn id="62" fill="hold">
+                            <p:stCondLst>
+                              <p:cond delay="500"/>
+                            </p:stCondLst>
+                            <p:childTnLst>
+                              <p:par>
+                                <p:cTn id="63" presetID="1" presetClass="entr" presetSubtype="0" fill="hold" nodeType="afterEffect">
+                                  <p:stCondLst>
+                                    <p:cond delay="1000"/>
+                                  </p:stCondLst>
+                                  <p:childTnLst>
+                                    <p:set>
+                                      <p:cBhvr>
+                                        <p:cTn id="64" dur="1" fill="hold">
+                                          <p:stCondLst>
+                                            <p:cond delay="0"/>
+                                          </p:stCondLst>
+                                        </p:cTn>
+                                        <p:tgtEl>
+                                          <p:spTgt spid="12"/>
+                                        </p:tgtEl>
+                                        <p:attrNameLst>
+                                          <p:attrName>style.visibility</p:attrName>
+                                        </p:attrNameLst>
+                                      </p:cBhvr>
+                                      <p:to>
+                                        <p:strVal val="visible"/>
+                                      </p:to>
+                                    </p:set>
+                                  </p:childTnLst>
+                                </p:cTn>
+                              </p:par>
+                            </p:childTnLst>
+                          </p:cTn>
+                        </p:par>
+                        <p:par>
+                          <p:cTn id="65" fill="hold">
+                            <p:stCondLst>
+                              <p:cond delay="1500"/>
+                            </p:stCondLst>
+                            <p:childTnLst>
+                              <p:par>
+                                <p:cTn id="66" presetID="1" presetClass="entr" presetSubtype="0" fill="hold" nodeType="afterEffect">
+                                  <p:stCondLst>
+                                    <p:cond delay="1000"/>
+                                  </p:stCondLst>
+                                  <p:childTnLst>
+                                    <p:set>
+                                      <p:cBhvr>
+                                        <p:cTn id="67" dur="1" fill="hold">
+                                          <p:stCondLst>
+                                            <p:cond delay="0"/>
+                                          </p:stCondLst>
+                                        </p:cTn>
+                                        <p:tgtEl>
+                                          <p:spTgt spid="13"/>
+                                        </p:tgtEl>
+                                        <p:attrNameLst>
+                                          <p:attrName>style.visibility</p:attrName>
+                                        </p:attrNameLst>
+                                      </p:cBhvr>
+                                      <p:to>
+                                        <p:strVal val="visible"/>
+                                      </p:to>
+                                    </p:set>
+                                  </p:childTnLst>
+                                </p:cTn>
+                              </p:par>
+                            </p:childTnLst>
+                          </p:cTn>
+                        </p:par>
+                      </p:childTnLst>
+                    </p:cTn>
+                  </p:par>
+                  <p:par>
+                    <p:cTn id="68" fill="hold">
+                      <p:stCondLst>
+                        <p:cond delay="indefinite"/>
+                      </p:stCondLst>
+                      <p:childTnLst>
+                        <p:par>
+                          <p:cTn id="69" fill="hold">
+                            <p:stCondLst>
+                              <p:cond delay="0"/>
+                            </p:stCondLst>
+                            <p:childTnLst>
+                              <p:par>
+                                <p:cTn id="70" presetID="22" presetClass="entr" presetSubtype="1" fill="hold" nodeType="clickEffect">
+                                  <p:stCondLst>
+                                    <p:cond delay="0"/>
+                                  </p:stCondLst>
+                                  <p:childTnLst>
+                                    <p:set>
+                                      <p:cBhvr>
+                                        <p:cTn id="71" dur="1" fill="hold">
+                                          <p:stCondLst>
+                                            <p:cond delay="0"/>
+                                          </p:stCondLst>
+                                        </p:cTn>
+                                        <p:tgtEl>
+                                          <p:spTgt spid="1028"/>
+                                        </p:tgtEl>
+                                        <p:attrNameLst>
+                                          <p:attrName>style.visibility</p:attrName>
+                                        </p:attrNameLst>
+                                      </p:cBhvr>
+                                      <p:to>
+                                        <p:strVal val="visible"/>
+                                      </p:to>
+                                    </p:set>
+                                    <p:animEffect transition="in" filter="wipe(up)">
+                                      <p:cBhvr>
+                                        <p:cTn id="72" dur="500"/>
+                                        <p:tgtEl>
+                                          <p:spTgt spid="1028"/>
+                                        </p:tgtEl>
+                                      </p:cBhvr>
+                                    </p:animEffect>
+                                  </p:childTnLst>
+                                </p:cTn>
+                              </p:par>
+                            </p:childTnLst>
+                          </p:cTn>
+                        </p:par>
+                        <p:par>
+                          <p:cTn id="73" fill="hold">
+                            <p:stCondLst>
+                              <p:cond delay="500"/>
+                            </p:stCondLst>
+                            <p:childTnLst>
+                              <p:par>
+                                <p:cTn id="74" presetID="1" presetClass="entr" presetSubtype="0" fill="hold" nodeType="afterEffect">
+                                  <p:stCondLst>
+                                    <p:cond delay="1000"/>
+                                  </p:stCondLst>
+                                  <p:childTnLst>
+                                    <p:set>
+                                      <p:cBhvr>
+                                        <p:cTn id="75" dur="1" fill="hold">
+                                          <p:stCondLst>
+                                            <p:cond delay="0"/>
+                                          </p:stCondLst>
+                                        </p:cTn>
+                                        <p:tgtEl>
+                                          <p:spTgt spid="1030"/>
+                                        </p:tgtEl>
+                                        <p:attrNameLst>
+                                          <p:attrName>style.visibility</p:attrName>
+                                        </p:attrNameLst>
+                                      </p:cBhvr>
+                                      <p:to>
+                                        <p:strVal val="visible"/>
+                                      </p:to>
+                                    </p:set>
+                                  </p:childTnLst>
+                                </p:cTn>
+                              </p:par>
+                            </p:childTnLst>
+                          </p:cTn>
+                        </p:par>
+                        <p:par>
+                          <p:cTn id="76" fill="hold">
+                            <p:stCondLst>
+                              <p:cond delay="1500"/>
+                            </p:stCondLst>
+                            <p:childTnLst>
+                              <p:par>
+                                <p:cTn id="77" presetID="1" presetClass="entr" presetSubtype="0" fill="hold" nodeType="afterEffect">
+                                  <p:stCondLst>
+                                    <p:cond delay="1000"/>
+                                  </p:stCondLst>
+                                  <p:childTnLst>
+                                    <p:set>
+                                      <p:cBhvr>
+                                        <p:cTn id="78" dur="1" fill="hold">
+                                          <p:stCondLst>
+                                            <p:cond delay="0"/>
+                                          </p:stCondLst>
+                                        </p:cTn>
+                                        <p:tgtEl>
+                                          <p:spTgt spid="1027"/>
+                                        </p:tgtEl>
+                                        <p:attrNameLst>
+                                          <p:attrName>style.visibility</p:attrName>
+                                        </p:attrNameLst>
+                                      </p:cBhvr>
+                                      <p:to>
+                                        <p:strVal val="visible"/>
+                                      </p:to>
+                                    </p:set>
+                                  </p:childTnLst>
+                                </p:cTn>
+                              </p:par>
+                            </p:childTnLst>
+                          </p:cTn>
+                        </p:par>
+                        <p:par>
+                          <p:cTn id="79" fill="hold">
+                            <p:stCondLst>
+                              <p:cond delay="2500"/>
+                            </p:stCondLst>
+                            <p:childTnLst>
+                              <p:par>
+                                <p:cTn id="80" presetID="1" presetClass="entr" presetSubtype="0" fill="hold" nodeType="afterEffect">
+                                  <p:stCondLst>
+                                    <p:cond delay="1000"/>
+                                  </p:stCondLst>
+                                  <p:childTnLst>
+                                    <p:set>
+                                      <p:cBhvr>
+                                        <p:cTn id="81" dur="1" fill="hold">
+                                          <p:stCondLst>
+                                            <p:cond delay="0"/>
+                                          </p:stCondLst>
+                                        </p:cTn>
+                                        <p:tgtEl>
+                                          <p:spTgt spid="1031"/>
+                                        </p:tgtEl>
+                                        <p:attrNameLst>
+                                          <p:attrName>style.visibility</p:attrName>
+                                        </p:attrNameLst>
+                                      </p:cBhvr>
+                                      <p:to>
+                                        <p:strVal val="visible"/>
+                                      </p:to>
+                                    </p:set>
+                                  </p:childTnLst>
+                                </p:cTn>
+                              </p:par>
+                            </p:childTnLst>
+                          </p:cTn>
+                        </p:par>
+                      </p:childTnLst>
+                    </p:cTn>
+                  </p:par>
+                </p:childTnLst>
+              </p:cTn>
+              <p:prevCondLst>
+                <p:cond evt="onPrev" delay="0">
+                  <p:tgtEl>
+                    <p:sldTgt/>
+                  </p:tgtEl>
+                </p:cond>
+              </p:prevCondLst>
+              <p:nextCondLst>
+                <p:cond evt="onNext" delay="0">
+                  <p:tgtEl>
+                    <p:sldTgt/>
+                  </p:tgtEl>
+                </p:cond>
+              </p:nextCondLst>
+            </p:seq>
+          </p:childTnLst>
+        </p:cTn>
+      </p:par>
+    </p:tnLst>
+    <p:bldLst>
+      <p:bldP spid="37" grpId="0" animBg="1"/>
+      <p:bldP spid="17" grpId="0" animBg="1"/>
+      <p:bldP spid="14" grpId="0" animBg="1"/>
+    </p:bldLst>
+  </p:timing>
+</p:sld>
+</file>
+
+<file path=ppt/slides/slide5.xml><?xml version="1.0" encoding="utf-8"?>
+<p:sld xmlns:a="http://schemas.openxmlformats.org/drawingml/2006/main" xmlns:r="http://schemas.openxmlformats.org/officeDocument/2006/relationships" xmlns:p="http://schemas.openxmlformats.org/presentationml/2006/main">
+  <p:cSld>
+    <p:spTree>
+      <p:nvGrpSpPr>
         <p:cNvPr id="1" name="Shape 74"/>
         <p:cNvGrpSpPr/>
         <p:nvPr/>
@@ -7873,7 +11115,7 @@
 </p:sld>
 </file>
 
-<file path=ppt/slides/slide5.xml><?xml version="1.0" encoding="utf-8"?>
+<file path=ppt/slides/slide6.xml><?xml version="1.0" encoding="utf-8"?>
 <p:sld xmlns:a="http://schemas.openxmlformats.org/drawingml/2006/main" xmlns:r="http://schemas.openxmlformats.org/officeDocument/2006/relationships" xmlns:p="http://schemas.openxmlformats.org/presentationml/2006/main">
   <p:cSld>
     <p:spTree>
@@ -8051,7 +11293,7 @@
 </p:sld>
 </file>
 
-<file path=ppt/slides/slide6.xml><?xml version="1.0" encoding="utf-8"?>
+<file path=ppt/slides/slide7.xml><?xml version="1.0" encoding="utf-8"?>
 <p:sld xmlns:a="http://schemas.openxmlformats.org/drawingml/2006/main" xmlns:r="http://schemas.openxmlformats.org/officeDocument/2006/relationships" xmlns:p="http://schemas.openxmlformats.org/presentationml/2006/main">
   <p:cSld>
     <p:spTree>
@@ -8229,7 +11471,7 @@
 </p:sld>
 </file>
 
-<file path=ppt/slides/slide7.xml><?xml version="1.0" encoding="utf-8"?>
+<file path=ppt/slides/slide8.xml><?xml version="1.0" encoding="utf-8"?>
 <p:sld xmlns:a="http://schemas.openxmlformats.org/drawingml/2006/main" xmlns:r="http://schemas.openxmlformats.org/officeDocument/2006/relationships" xmlns:p="http://schemas.openxmlformats.org/presentationml/2006/main">
   <p:cSld>
     <p:spTree>
@@ -8407,7 +11649,7 @@
 </p:sld>
 </file>
 
-<file path=ppt/slides/slide8.xml><?xml version="1.0" encoding="utf-8"?>
+<file path=ppt/slides/slide9.xml><?xml version="1.0" encoding="utf-8"?>
 <p:sld xmlns:a="http://schemas.openxmlformats.org/drawingml/2006/main" xmlns:r="http://schemas.openxmlformats.org/officeDocument/2006/relationships" xmlns:p="http://schemas.openxmlformats.org/presentationml/2006/main">
   <p:cSld>
     <p:spTree>
@@ -8577,163 +11819,6 @@
           </a:p>
         </p:txBody>
       </p:sp>
-    </p:spTree>
-  </p:cSld>
-  <p:clrMapOvr>
-    <a:masterClrMapping/>
-  </p:clrMapOvr>
-</p:sld>
-</file>
-
-<file path=ppt/slides/slide9.xml><?xml version="1.0" encoding="utf-8"?>
-<p:sld xmlns:a="http://schemas.openxmlformats.org/drawingml/2006/main" xmlns:r="http://schemas.openxmlformats.org/officeDocument/2006/relationships" xmlns:p="http://schemas.openxmlformats.org/presentationml/2006/main">
-  <p:cSld>
-    <p:bg>
-      <p:bgPr>
-        <a:solidFill>
-          <a:srgbClr val="00DBD0"/>
-        </a:solidFill>
-        <a:effectLst/>
-      </p:bgPr>
-    </p:bg>
-    <p:spTree>
-      <p:nvGrpSpPr>
-        <p:cNvPr id="1" name="Shape 109"/>
-        <p:cNvGrpSpPr/>
-        <p:nvPr/>
-      </p:nvGrpSpPr>
-      <p:grpSpPr>
-        <a:xfrm>
-          <a:off x="0" y="0"/>
-          <a:ext cx="0" cy="0"/>
-          <a:chOff x="0" y="0"/>
-          <a:chExt cx="0" cy="0"/>
-        </a:xfrm>
-      </p:grpSpPr>
-      <p:sp>
-        <p:nvSpPr>
-          <p:cNvPr id="110" name="Google Shape;110;p21"/>
-          <p:cNvSpPr txBox="1">
-            <a:spLocks noGrp="1"/>
-          </p:cNvSpPr>
-          <p:nvPr>
-            <p:ph type="ctrTitle" idx="4294967295"/>
-          </p:nvPr>
-        </p:nvSpPr>
-        <p:spPr>
-          <a:xfrm>
-            <a:off x="1089725" y="1970775"/>
-            <a:ext cx="6269100" cy="698400"/>
-          </a:xfrm>
-          <a:prstGeom prst="rect">
-            <a:avLst/>
-          </a:prstGeom>
-          <a:noFill/>
-          <a:ln>
-            <a:noFill/>
-          </a:ln>
-        </p:spPr>
-        <p:txBody>
-          <a:bodyPr spcFirstLastPara="1" wrap="square" lIns="91425" tIns="91425" rIns="91425" bIns="91425" anchor="t" anchorCtr="0">
-            <a:noAutofit/>
-          </a:bodyPr>
-          <a:lstStyle/>
-          <a:p>
-            <a:pPr marL="0" marR="0" lvl="0" indent="0" algn="l" rtl="0">
-              <a:lnSpc>
-                <a:spcPct val="100000"/>
-              </a:lnSpc>
-              <a:spcBef>
-                <a:spcPts val="0"/>
-              </a:spcBef>
-              <a:spcAft>
-                <a:spcPts val="0"/>
-              </a:spcAft>
-              <a:buClr>
-                <a:schemeClr val="dk1"/>
-              </a:buClr>
-              <a:buSzPts val="2800"/>
-              <a:buFont typeface="Arial"/>
-              <a:buNone/>
-            </a:pPr>
-            <a:r>
-              <a:rPr lang="fr" sz="5200">
-                <a:solidFill>
-                  <a:srgbClr val="0E3449"/>
-                </a:solidFill>
-                <a:latin typeface="Inter SemiBold"/>
-                <a:ea typeface="Inter SemiBold"/>
-                <a:cs typeface="Inter SemiBold"/>
-                <a:sym typeface="Inter SemiBold"/>
-              </a:rPr>
-              <a:t>Any questions ?</a:t>
-            </a:r>
-            <a:endParaRPr sz="5200" i="0" u="none" strike="noStrike" cap="none">
-              <a:solidFill>
-                <a:srgbClr val="0E3449"/>
-              </a:solidFill>
-              <a:latin typeface="Inter SemiBold"/>
-              <a:ea typeface="Inter SemiBold"/>
-              <a:cs typeface="Inter SemiBold"/>
-              <a:sym typeface="Inter SemiBold"/>
-            </a:endParaRPr>
-          </a:p>
-        </p:txBody>
-      </p:sp>
-      <p:pic>
-        <p:nvPicPr>
-          <p:cNvPr id="111" name="Google Shape;111;p21"/>
-          <p:cNvPicPr preferRelativeResize="0"/>
-          <p:nvPr/>
-        </p:nvPicPr>
-        <p:blipFill rotWithShape="1">
-          <a:blip r:embed="rId3">
-            <a:alphaModFix/>
-          </a:blip>
-          <a:srcRect/>
-          <a:stretch/>
-        </p:blipFill>
-        <p:spPr>
-          <a:xfrm>
-            <a:off x="3918625" y="3006625"/>
-            <a:ext cx="4599299" cy="2136876"/>
-          </a:xfrm>
-          <a:prstGeom prst="rect">
-            <a:avLst/>
-          </a:prstGeom>
-          <a:noFill/>
-          <a:ln>
-            <a:noFill/>
-          </a:ln>
-        </p:spPr>
-      </p:pic>
-      <p:pic>
-        <p:nvPicPr>
-          <p:cNvPr id="112" name="Google Shape;112;p21"/>
-          <p:cNvPicPr preferRelativeResize="0"/>
-          <p:nvPr/>
-        </p:nvPicPr>
-        <p:blipFill rotWithShape="1">
-          <a:blip r:embed="rId4">
-            <a:alphaModFix/>
-          </a:blip>
-          <a:srcRect/>
-          <a:stretch/>
-        </p:blipFill>
-        <p:spPr>
-          <a:xfrm>
-            <a:off x="1232375" y="915775"/>
-            <a:ext cx="797425" cy="839825"/>
-          </a:xfrm>
-          <a:prstGeom prst="rect">
-            <a:avLst/>
-          </a:prstGeom>
-          <a:noFill/>
-          <a:ln>
-            <a:noFill/>
-          </a:ln>
-        </p:spPr>
-      </p:pic>
     </p:spTree>
   </p:cSld>
   <p:clrMapOvr>
